--- a/slides/day8_resampling_multtesting.pptx
+++ b/slides/day8_resampling_multtesting.pptx
@@ -5,7 +5,7 @@
     <p:sldMasterId id="2147483744" r:id="rId1"/>
   </p:sldMasterIdLst>
   <p:notesMasterIdLst>
-    <p:notesMasterId r:id="rId67"/>
+    <p:notesMasterId r:id="rId69"/>
   </p:notesMasterIdLst>
   <p:sldIdLst>
     <p:sldId id="256" r:id="rId2"/>
@@ -72,7 +72,9 @@
     <p:sldId id="342" r:id="rId63"/>
     <p:sldId id="343" r:id="rId64"/>
     <p:sldId id="344" r:id="rId65"/>
-    <p:sldId id="345" r:id="rId66"/>
+    <p:sldId id="347" r:id="rId66"/>
+    <p:sldId id="346" r:id="rId67"/>
+    <p:sldId id="345" r:id="rId68"/>
   </p:sldIdLst>
   <p:sldSz cx="12192000" cy="6858000"/>
   <p:notesSz cx="6858000" cy="9144000"/>
@@ -261,7 +263,7 @@
           <a:p>
             <a:fld id="{CCC6CEAD-DD3D-334D-A963-BC72DE2105C5}" type="datetimeFigureOut">
               <a:rPr lang="en-US" smtClean="0"/>
-              <a:t>10/15/17</a:t>
+              <a:t>10/17/17</a:t>
             </a:fld>
             <a:endParaRPr lang="en-US"/>
           </a:p>
@@ -1763,7 +1765,7 @@
           <a:p>
             <a:fld id="{DBE10013-459B-E649-8F53-4AAACF4AFE97}" type="datetimeFigureOut">
               <a:rPr lang="en-US" smtClean="0"/>
-              <a:t>10/15/17</a:t>
+              <a:t>10/17/17</a:t>
             </a:fld>
             <a:endParaRPr lang="en-US"/>
           </a:p>
@@ -1966,7 +1968,7 @@
           <a:p>
             <a:fld id="{DBE10013-459B-E649-8F53-4AAACF4AFE97}" type="datetimeFigureOut">
               <a:rPr lang="en-US" smtClean="0"/>
-              <a:t>10/15/17</a:t>
+              <a:t>10/17/17</a:t>
             </a:fld>
             <a:endParaRPr lang="en-US"/>
           </a:p>
@@ -2217,7 +2219,7 @@
           <a:p>
             <a:fld id="{DBE10013-459B-E649-8F53-4AAACF4AFE97}" type="datetimeFigureOut">
               <a:rPr lang="en-US" smtClean="0"/>
-              <a:t>10/15/17</a:t>
+              <a:t>10/17/17</a:t>
             </a:fld>
             <a:endParaRPr lang="en-US"/>
           </a:p>
@@ -2392,7 +2394,7 @@
           <a:p>
             <a:fld id="{DBE10013-459B-E649-8F53-4AAACF4AFE97}" type="datetimeFigureOut">
               <a:rPr lang="en-US" smtClean="0"/>
-              <a:t>10/15/17</a:t>
+              <a:t>10/17/17</a:t>
             </a:fld>
             <a:endParaRPr lang="en-US"/>
           </a:p>
@@ -2730,7 +2732,7 @@
           <a:p>
             <a:fld id="{DBE10013-459B-E649-8F53-4AAACF4AFE97}" type="datetimeFigureOut">
               <a:rPr lang="en-US" smtClean="0"/>
-              <a:t>10/15/17</a:t>
+              <a:t>10/17/17</a:t>
             </a:fld>
             <a:endParaRPr lang="en-US"/>
           </a:p>
@@ -3000,7 +3002,7 @@
           <a:p>
             <a:fld id="{DBE10013-459B-E649-8F53-4AAACF4AFE97}" type="datetimeFigureOut">
               <a:rPr lang="en-US" smtClean="0"/>
-              <a:t>10/15/17</a:t>
+              <a:t>10/17/17</a:t>
             </a:fld>
             <a:endParaRPr lang="en-US"/>
           </a:p>
@@ -3374,7 +3376,7 @@
           <a:p>
             <a:fld id="{DBE10013-459B-E649-8F53-4AAACF4AFE97}" type="datetimeFigureOut">
               <a:rPr lang="en-US" smtClean="0"/>
-              <a:t>10/15/17</a:t>
+              <a:t>10/17/17</a:t>
             </a:fld>
             <a:endParaRPr lang="en-US"/>
           </a:p>
@@ -3487,7 +3489,7 @@
           <a:p>
             <a:fld id="{DBE10013-459B-E649-8F53-4AAACF4AFE97}" type="datetimeFigureOut">
               <a:rPr lang="en-US" smtClean="0"/>
-              <a:t>10/15/17</a:t>
+              <a:t>10/17/17</a:t>
             </a:fld>
             <a:endParaRPr lang="en-US"/>
           </a:p>
@@ -3653,7 +3655,7 @@
           <a:p>
             <a:fld id="{DBE10013-459B-E649-8F53-4AAACF4AFE97}" type="datetimeFigureOut">
               <a:rPr lang="en-US" smtClean="0"/>
-              <a:t>10/15/17</a:t>
+              <a:t>10/17/17</a:t>
             </a:fld>
             <a:endParaRPr lang="en-US"/>
           </a:p>
@@ -4002,7 +4004,7 @@
           <a:p>
             <a:fld id="{DBE10013-459B-E649-8F53-4AAACF4AFE97}" type="datetimeFigureOut">
               <a:rPr lang="en-US" smtClean="0"/>
-              <a:t>10/15/17</a:t>
+              <a:t>10/17/17</a:t>
             </a:fld>
             <a:endParaRPr lang="en-US"/>
           </a:p>
@@ -4374,7 +4376,7 @@
           <a:p>
             <a:fld id="{DBE10013-459B-E649-8F53-4AAACF4AFE97}" type="datetimeFigureOut">
               <a:rPr lang="en-US" smtClean="0"/>
-              <a:t>10/15/17</a:t>
+              <a:t>10/17/17</a:t>
             </a:fld>
             <a:endParaRPr lang="en-US"/>
           </a:p>
@@ -4656,7 +4658,7 @@
           <a:p>
             <a:fld id="{DBE10013-459B-E649-8F53-4AAACF4AFE97}" type="datetimeFigureOut">
               <a:rPr lang="en-US" smtClean="0"/>
-              <a:t>10/15/17</a:t>
+              <a:t>10/17/17</a:t>
             </a:fld>
             <a:endParaRPr lang="en-US"/>
           </a:p>
@@ -6434,17 +6436,7 @@
                           <a:effectLst/>
                           <a:latin typeface="Calibri" charset="0"/>
                         </a:rPr>
-                        <a:t># </a:t>
-                      </a:r>
-                      <a:r>
-                        <a:rPr lang="en-US" sz="1600" b="1" i="0" u="none" strike="noStrike" dirty="0" smtClean="0">
-                          <a:solidFill>
-                            <a:srgbClr val="000000"/>
-                          </a:solidFill>
-                          <a:effectLst/>
-                          <a:latin typeface="Calibri" charset="0"/>
-                        </a:rPr>
-                        <a:t>expected</a:t>
+                        <a:t># expected</a:t>
                       </a:r>
                       <a:endParaRPr lang="en-US" sz="1600" b="1" i="0" u="none" strike="noStrike" dirty="0">
                         <a:solidFill>
@@ -10909,7 +10901,7 @@
             <a:r>
               <a:rPr lang="en-US" sz="3200" dirty="0" smtClean="0">
                 <a:solidFill>
-                  <a:schemeClr val="tx1"/>
+                  <a:srgbClr val="7030A0"/>
                 </a:solidFill>
               </a:rPr>
               <a:t>Create </a:t>
@@ -10917,7 +10909,7 @@
             <a:r>
               <a:rPr lang="en-US" sz="3200" b="1" dirty="0" smtClean="0">
                 <a:solidFill>
-                  <a:schemeClr val="tx1"/>
+                  <a:srgbClr val="7030A0"/>
                 </a:solidFill>
               </a:rPr>
               <a:t>a lot</a:t>
@@ -10925,7 +10917,7 @@
             <a:r>
               <a:rPr lang="en-US" sz="3200" dirty="0" smtClean="0">
                 <a:solidFill>
-                  <a:schemeClr val="tx1"/>
+                  <a:srgbClr val="7030A0"/>
                 </a:solidFill>
               </a:rPr>
               <a:t> of permuted datasets</a:t>
@@ -10939,7 +10931,7 @@
             <a:r>
               <a:rPr lang="en-US" sz="2600" dirty="0" smtClean="0">
                 <a:solidFill>
-                  <a:schemeClr val="tx1"/>
+                  <a:srgbClr val="7030A0"/>
                 </a:solidFill>
               </a:rPr>
               <a:t>Compute </a:t>
@@ -10947,7 +10939,7 @@
             <a:r>
               <a:rPr lang="en-US" sz="2800" i="1" dirty="0" smtClean="0">
                 <a:solidFill>
-                  <a:schemeClr val="tx1"/>
+                  <a:srgbClr val="7030A0"/>
                 </a:solidFill>
               </a:rPr>
               <a:t>t </a:t>
@@ -10955,14 +10947,14 @@
             <a:r>
               <a:rPr lang="en-US" sz="2800" dirty="0" smtClean="0">
                 <a:solidFill>
-                  <a:schemeClr val="tx1"/>
+                  <a:srgbClr val="7030A0"/>
                 </a:solidFill>
               </a:rPr>
               <a:t>for each dataset to construct null sampling distribution</a:t>
             </a:r>
             <a:endParaRPr lang="en-US" sz="2800" i="1" baseline="30000" dirty="0">
               <a:solidFill>
-                <a:schemeClr val="tx1"/>
+                <a:srgbClr val="7030A0"/>
               </a:solidFill>
             </a:endParaRPr>
           </a:p>
@@ -11178,10 +11170,18 @@
           <a:lstStyle/>
           <a:p>
             <a:r>
-              <a:rPr lang="en-US" dirty="0" smtClean="0"/>
-              <a:t>Running a permutation test in R</a:t>
-            </a:r>
-            <a:endParaRPr lang="en-US" dirty="0"/>
+              <a:rPr lang="en-US" dirty="0" smtClean="0">
+                <a:solidFill>
+                  <a:srgbClr val="7030A0"/>
+                </a:solidFill>
+              </a:rPr>
+              <a:t>Performing step 2</a:t>
+            </a:r>
+            <a:endParaRPr lang="en-US" dirty="0">
+              <a:solidFill>
+                <a:srgbClr val="7030A0"/>
+              </a:solidFill>
+            </a:endParaRPr>
           </a:p>
         </p:txBody>
       </p:sp>
@@ -11222,42 +11222,9 @@
                 <a:ea typeface="Monaco" charset="0"/>
                 <a:cs typeface="Monaco" charset="0"/>
               </a:rPr>
-              <a:t>::permute </a:t>
-            </a:r>
-            <a:r>
-              <a:rPr lang="en-US" dirty="0" smtClean="0"/>
-              <a:t>or </a:t>
-            </a:r>
-            <a:r>
-              <a:rPr lang="en-US" sz="2200" dirty="0" err="1" smtClean="0">
-                <a:latin typeface="Monaco" charset="0"/>
-                <a:ea typeface="Monaco" charset="0"/>
-                <a:cs typeface="Monaco" charset="0"/>
-              </a:rPr>
-              <a:t>modelr</a:t>
-            </a:r>
-            <a:r>
-              <a:rPr lang="en-US" sz="2200" dirty="0" smtClean="0">
-                <a:latin typeface="Monaco" charset="0"/>
-                <a:ea typeface="Monaco" charset="0"/>
-                <a:cs typeface="Monaco" charset="0"/>
-              </a:rPr>
-              <a:t>::permute_</a:t>
-            </a:r>
-          </a:p>
-          <a:p>
-            <a:pPr marL="920750" lvl="1" indent="-317500"/>
-            <a:r>
-              <a:rPr lang="en-US" dirty="0" smtClean="0"/>
-              <a:t>permute() shuffles rows across all columns</a:t>
-            </a:r>
-          </a:p>
-          <a:p>
-            <a:pPr marL="920750" lvl="1" indent="-317500"/>
-            <a:r>
-              <a:rPr lang="en-US" dirty="0" smtClean="0"/>
-              <a:t>permute_() shuffles only for certain columns</a:t>
-            </a:r>
+              <a:t>::permute()</a:t>
+            </a:r>
+            <a:endParaRPr lang="en-US" dirty="0" smtClean="0"/>
           </a:p>
           <a:p>
             <a:pPr marL="920750" lvl="1" indent="-317500"/>
@@ -11270,7 +11237,11 @@
             </a:pPr>
             <a:r>
               <a:rPr lang="en-US" dirty="0" smtClean="0"/>
-              <a:t>Extract your distribution with </a:t>
+              <a:t>Extract your </a:t>
+            </a:r>
+            <a:r>
+              <a:rPr lang="en-US" dirty="0" smtClean="0"/>
+              <a:t>permutations with </a:t>
             </a:r>
             <a:r>
               <a:rPr lang="en-US" sz="2200" dirty="0" err="1" smtClean="0">
@@ -11286,19 +11257,7 @@
                 <a:ea typeface="Monaco" charset="0"/>
                 <a:cs typeface="Monaco" charset="0"/>
               </a:rPr>
-              <a:t>() </a:t>
-            </a:r>
-            <a:r>
-              <a:rPr lang="en-US" dirty="0" smtClean="0"/>
-              <a:t>and </a:t>
-            </a:r>
-            <a:r>
-              <a:rPr lang="en-US" sz="2200" dirty="0" smtClean="0">
-                <a:latin typeface="Monaco" charset="0"/>
-                <a:ea typeface="Monaco" charset="0"/>
-                <a:cs typeface="Monaco" charset="0"/>
-              </a:rPr>
-              <a:t>broom::glance()</a:t>
+              <a:t>()</a:t>
             </a:r>
           </a:p>
           <a:p>
@@ -11318,10 +11277,52 @@
               <a:buAutoNum type="arabicPeriod"/>
             </a:pPr>
             <a:r>
-              <a:rPr lang="en-US" sz="2800" dirty="0" smtClean="0"/>
-              <a:t>Compute P-value as probability as or more extreme</a:t>
-            </a:r>
-            <a:endParaRPr lang="en-US" sz="2800" dirty="0">
+              <a:rPr lang="en-US" dirty="0" smtClean="0">
+                <a:ea typeface="Monaco" charset="0"/>
+                <a:cs typeface="Monaco" charset="0"/>
+              </a:rPr>
+              <a:t>See the full permutation output with </a:t>
+            </a:r>
+            <a:r>
+              <a:rPr lang="en-US" sz="2400" dirty="0" smtClean="0">
+                <a:latin typeface="Monaco" charset="0"/>
+                <a:ea typeface="Monaco" charset="0"/>
+                <a:cs typeface="Monaco" charset="0"/>
+              </a:rPr>
+              <a:t>broom::tidy() </a:t>
+            </a:r>
+            <a:r>
+              <a:rPr lang="en-US" dirty="0" smtClean="0"/>
+              <a:t>or </a:t>
+            </a:r>
+            <a:r>
+              <a:rPr lang="en-US" sz="2400" dirty="0">
+                <a:latin typeface="Monaco" charset="0"/>
+                <a:ea typeface="Monaco" charset="0"/>
+                <a:cs typeface="Monaco" charset="0"/>
+              </a:rPr>
+              <a:t>broom</a:t>
+            </a:r>
+            <a:r>
+              <a:rPr lang="en-US" sz="2400" dirty="0" smtClean="0">
+                <a:latin typeface="Monaco" charset="0"/>
+                <a:ea typeface="Monaco" charset="0"/>
+                <a:cs typeface="Monaco" charset="0"/>
+              </a:rPr>
+              <a:t>::glance()</a:t>
+            </a:r>
+            <a:endParaRPr lang="en-US" sz="2400" dirty="0" smtClean="0">
+              <a:latin typeface="Monaco" charset="0"/>
+              <a:ea typeface="Monaco" charset="0"/>
+              <a:cs typeface="Monaco" charset="0"/>
+            </a:endParaRPr>
+          </a:p>
+          <a:p>
+            <a:pPr marL="514350" indent="-514350">
+              <a:buFont typeface="+mj-lt"/>
+              <a:buAutoNum type="arabicPeriod"/>
+            </a:pPr>
+            <a:endParaRPr lang="en-US" sz="2200" dirty="0">
               <a:latin typeface="Monaco" charset="0"/>
               <a:ea typeface="Monaco" charset="0"/>
               <a:cs typeface="Monaco" charset="0"/>
@@ -11790,6 +11791,9 @@
             </a:r>
             <a:r>
               <a:rPr lang="is-IS" b="1" dirty="0">
+                <a:solidFill>
+                  <a:srgbClr val="00B0F0"/>
+                </a:solidFill>
                 <a:latin typeface="Monaco" charset="0"/>
                 <a:ea typeface="Monaco" charset="0"/>
                 <a:cs typeface="Monaco" charset="0"/>
@@ -12008,7 +12012,34 @@
                 <a:ea typeface="Monaco" charset="0"/>
                 <a:cs typeface="Monaco" charset="0"/>
               </a:rPr>
-              <a:t>(tidy(t.test( </a:t>
+              <a:t>(</a:t>
+            </a:r>
+            <a:r>
+              <a:rPr lang="is-IS" b="1" dirty="0" smtClean="0">
+                <a:solidFill>
+                  <a:srgbClr val="00B0F0"/>
+                </a:solidFill>
+                <a:latin typeface="Monaco" charset="0"/>
+                <a:ea typeface="Monaco" charset="0"/>
+                <a:cs typeface="Monaco" charset="0"/>
+              </a:rPr>
+              <a:t>tidy</a:t>
+            </a:r>
+            <a:r>
+              <a:rPr lang="is-IS" dirty="0" smtClean="0">
+                <a:latin typeface="Monaco" charset="0"/>
+                <a:ea typeface="Monaco" charset="0"/>
+                <a:cs typeface="Monaco" charset="0"/>
+              </a:rPr>
+              <a:t>(t.test</a:t>
+            </a:r>
+            <a:r>
+              <a:rPr lang="is-IS" dirty="0" smtClean="0">
+                <a:latin typeface="Monaco" charset="0"/>
+                <a:ea typeface="Monaco" charset="0"/>
+                <a:cs typeface="Monaco" charset="0"/>
+              </a:rPr>
+              <a:t>( </a:t>
             </a:r>
             <a:r>
               <a:rPr lang="is-IS" b="1" dirty="0" smtClean="0">
@@ -12563,7 +12594,15 @@
           <a:p>
             <a:r>
               <a:rPr lang="en-US" dirty="0" smtClean="0"/>
-              <a:t>Step Two: generate permutated data</a:t>
+              <a:t>Step </a:t>
+            </a:r>
+            <a:r>
+              <a:rPr lang="en-US" dirty="0" smtClean="0"/>
+              <a:t>Two: </a:t>
+            </a:r>
+            <a:r>
+              <a:rPr lang="en-US" dirty="0" smtClean="0"/>
+              <a:t>generate permutated data</a:t>
             </a:r>
             <a:endParaRPr lang="en-US" sz="4000" dirty="0">
               <a:latin typeface="Monaco" charset="0"/>
@@ -12672,7 +12711,23 @@
                 <a:ea typeface="Monaco" charset="0"/>
                 <a:cs typeface="Monaco" charset="0"/>
               </a:rPr>
-              <a:t>### Make 10000 permutations with permute_(), from </a:t>
+              <a:t>### Make 10000 permutations with </a:t>
+            </a:r>
+            <a:r>
+              <a:rPr lang="en-US" sz="1600" dirty="0" smtClean="0">
+                <a:latin typeface="Monaco" charset="0"/>
+                <a:ea typeface="Monaco" charset="0"/>
+                <a:cs typeface="Monaco" charset="0"/>
+              </a:rPr>
+              <a:t>permute(), </a:t>
+            </a:r>
+            <a:r>
+              <a:rPr lang="en-US" sz="1600" dirty="0" smtClean="0">
+                <a:latin typeface="Monaco" charset="0"/>
+                <a:ea typeface="Monaco" charset="0"/>
+                <a:cs typeface="Monaco" charset="0"/>
+              </a:rPr>
+              <a:t>from </a:t>
             </a:r>
             <a:r>
               <a:rPr lang="en-US" sz="1600" dirty="0" err="1" smtClean="0">
@@ -12763,7 +12818,7 @@
                 <a:ea typeface="Monaco" charset="0"/>
                 <a:cs typeface="Monaco" charset="0"/>
               </a:rPr>
-              <a:t>permute_</a:t>
+              <a:t>permute</a:t>
             </a:r>
             <a:r>
               <a:rPr lang="en-US" sz="1600" dirty="0" smtClean="0">
@@ -12771,8 +12826,45 @@
                 <a:ea typeface="Monaco" charset="0"/>
                 <a:cs typeface="Monaco" charset="0"/>
               </a:rPr>
-              <a:t>(bees, N, columns = "lengths")</a:t>
-            </a:r>
+              <a:t>(bees</a:t>
+            </a:r>
+            <a:r>
+              <a:rPr lang="en-US" sz="1600" dirty="0" smtClean="0">
+                <a:latin typeface="Monaco" charset="0"/>
+                <a:ea typeface="Monaco" charset="0"/>
+                <a:cs typeface="Monaco" charset="0"/>
+              </a:rPr>
+              <a:t>, </a:t>
+            </a:r>
+            <a:r>
+              <a:rPr lang="en-US" sz="1600" dirty="0" smtClean="0">
+                <a:latin typeface="Monaco" charset="0"/>
+                <a:ea typeface="Monaco" charset="0"/>
+                <a:cs typeface="Monaco" charset="0"/>
+              </a:rPr>
+              <a:t>N, lengths) ## </a:t>
+            </a:r>
+            <a:r>
+              <a:rPr lang="en-US" sz="1600" dirty="0" err="1" smtClean="0">
+                <a:latin typeface="Monaco" charset="0"/>
+                <a:ea typeface="Monaco" charset="0"/>
+                <a:cs typeface="Monaco" charset="0"/>
+              </a:rPr>
+              <a:t>dataframe</a:t>
+            </a:r>
+            <a:r>
+              <a:rPr lang="en-US" sz="1600" dirty="0" smtClean="0">
+                <a:latin typeface="Monaco" charset="0"/>
+                <a:ea typeface="Monaco" charset="0"/>
+                <a:cs typeface="Monaco" charset="0"/>
+              </a:rPr>
+              <a:t> number perms, column to permute</a:t>
+            </a:r>
+            <a:endParaRPr lang="en-US" sz="1600" dirty="0" smtClean="0">
+              <a:latin typeface="Monaco" charset="0"/>
+              <a:ea typeface="Monaco" charset="0"/>
+              <a:cs typeface="Monaco" charset="0"/>
+            </a:endParaRPr>
           </a:p>
           <a:p>
             <a:r>
@@ -13716,7 +13808,7 @@
         </p:nvSpPr>
         <p:spPr>
           <a:xfrm>
-            <a:off x="975360" y="1737360"/>
+            <a:off x="975360" y="1813560"/>
             <a:ext cx="10820400" cy="4278094"/>
           </a:xfrm>
           <a:prstGeom prst="rect">
@@ -15333,7 +15425,7 @@
                 <a:ea typeface="Monaco" charset="0"/>
                 <a:cs typeface="Monaco" charset="0"/>
               </a:rPr>
-              <a:t>~&lt;function&gt; </a:t>
+              <a:t>~&lt;only certain functions&gt; </a:t>
             </a:r>
             <a:r>
               <a:rPr lang="en-US" dirty="0" smtClean="0">
@@ -19253,15 +19345,7 @@
                 <a:ea typeface="Monaco" charset="0"/>
                 <a:cs typeface="Monaco" charset="0"/>
               </a:rPr>
-              <a:t>(</a:t>
-            </a:r>
-            <a:r>
-              <a:rPr lang="en-US" sz="1600" dirty="0">
-                <a:latin typeface="Monaco" charset="0"/>
-                <a:ea typeface="Monaco" charset="0"/>
-                <a:cs typeface="Monaco" charset="0"/>
-              </a:rPr>
-              <a:t>'</a:t>
+              <a:t>('</a:t>
             </a:r>
             <a:r>
               <a:rPr lang="en-US" sz="1600" dirty="0" err="1">
@@ -19341,11 +19425,6 @@
               </a:rPr>
               <a:t>slipper(rain, mean(pH), B=10000) </a:t>
             </a:r>
-            <a:endParaRPr lang="en-US" sz="1600" dirty="0">
-              <a:latin typeface="Monaco" charset="0"/>
-              <a:ea typeface="Monaco" charset="0"/>
-              <a:cs typeface="Monaco" charset="0"/>
-            </a:endParaRPr>
           </a:p>
           <a:p>
             <a:r>
@@ -20940,23 +21019,7 @@
                 <a:ea typeface="Monaco" charset="0"/>
                 <a:cs typeface="Monaco" charset="0"/>
               </a:rPr>
-              <a:t>) %</a:t>
-            </a:r>
-            <a:r>
-              <a:rPr lang="en-US" dirty="0">
-                <a:latin typeface="Monaco" charset="0"/>
-                <a:ea typeface="Monaco" charset="0"/>
-                <a:cs typeface="Monaco" charset="0"/>
-              </a:rPr>
-              <a:t>&gt;</a:t>
-            </a:r>
-            <a:r>
-              <a:rPr lang="en-US" dirty="0">
-                <a:latin typeface="Monaco" charset="0"/>
-                <a:ea typeface="Monaco" charset="0"/>
-                <a:cs typeface="Monaco" charset="0"/>
-              </a:rPr>
-              <a:t>% </a:t>
+              <a:t>) %&gt;% </a:t>
             </a:r>
             <a:endParaRPr lang="en-US" dirty="0" smtClean="0">
               <a:latin typeface="Monaco" charset="0"/>
@@ -20987,31 +21050,7 @@
                 <a:ea typeface="Monaco" charset="0"/>
                 <a:cs typeface="Monaco" charset="0"/>
               </a:rPr>
-              <a:t>=="bootstrap"</a:t>
-            </a:r>
-            <a:r>
-              <a:rPr lang="en-US" dirty="0">
-                <a:latin typeface="Monaco" charset="0"/>
-                <a:ea typeface="Monaco" charset="0"/>
-                <a:cs typeface="Monaco" charset="0"/>
-              </a:rPr>
-              <a:t>) %</a:t>
-            </a:r>
-            <a:r>
-              <a:rPr lang="en-US" dirty="0">
-                <a:latin typeface="Monaco" charset="0"/>
-                <a:ea typeface="Monaco" charset="0"/>
-                <a:cs typeface="Monaco" charset="0"/>
-              </a:rPr>
-              <a:t>&gt;</a:t>
-            </a:r>
-            <a:r>
-              <a:rPr lang="en-US" dirty="0">
-                <a:latin typeface="Monaco" charset="0"/>
-                <a:ea typeface="Monaco" charset="0"/>
-                <a:cs typeface="Monaco" charset="0"/>
-              </a:rPr>
-              <a:t>% </a:t>
+              <a:t>=="bootstrap") %&gt;% </a:t>
             </a:r>
             <a:endParaRPr lang="en-US" dirty="0" smtClean="0">
               <a:latin typeface="Monaco" charset="0"/>
@@ -21076,47 +21115,7 @@
                 <a:ea typeface="Monaco" charset="0"/>
                 <a:cs typeface="Monaco" charset="0"/>
               </a:rPr>
-              <a:t>=</a:t>
-            </a:r>
-            <a:r>
-              <a:rPr lang="en-US" dirty="0">
-                <a:latin typeface="Monaco" charset="0"/>
-                <a:ea typeface="Monaco" charset="0"/>
-                <a:cs typeface="Monaco" charset="0"/>
-              </a:rPr>
-              <a:t> quantile(</a:t>
-            </a:r>
-            <a:r>
-              <a:rPr lang="en-US" dirty="0">
-                <a:latin typeface="Monaco" charset="0"/>
-                <a:ea typeface="Monaco" charset="0"/>
-                <a:cs typeface="Monaco" charset="0"/>
-              </a:rPr>
-              <a:t>value</a:t>
-            </a:r>
-            <a:r>
-              <a:rPr lang="en-US" dirty="0">
-                <a:latin typeface="Monaco" charset="0"/>
-                <a:ea typeface="Monaco" charset="0"/>
-                <a:cs typeface="Monaco" charset="0"/>
-              </a:rPr>
-              <a:t>,</a:t>
-            </a:r>
-            <a:r>
-              <a:rPr lang="en-US" dirty="0">
-                <a:latin typeface="Monaco" charset="0"/>
-                <a:ea typeface="Monaco" charset="0"/>
-                <a:cs typeface="Monaco" charset="0"/>
-              </a:rPr>
-              <a:t>0.025</a:t>
-            </a:r>
-            <a:r>
-              <a:rPr lang="en-US" dirty="0">
-                <a:latin typeface="Monaco" charset="0"/>
-                <a:ea typeface="Monaco" charset="0"/>
-                <a:cs typeface="Monaco" charset="0"/>
-              </a:rPr>
-              <a:t>), </a:t>
+              <a:t>= quantile(value,0.025), </a:t>
             </a:r>
             <a:endParaRPr lang="en-US" dirty="0" smtClean="0">
               <a:latin typeface="Monaco" charset="0"/>
@@ -21163,39 +21162,7 @@
                 <a:ea typeface="Monaco" charset="0"/>
                 <a:cs typeface="Monaco" charset="0"/>
               </a:rPr>
-              <a:t>=</a:t>
-            </a:r>
-            <a:r>
-              <a:rPr lang="en-US" dirty="0">
-                <a:latin typeface="Monaco" charset="0"/>
-                <a:ea typeface="Monaco" charset="0"/>
-                <a:cs typeface="Monaco" charset="0"/>
-              </a:rPr>
-              <a:t> quantile(</a:t>
-            </a:r>
-            <a:r>
-              <a:rPr lang="en-US" dirty="0">
-                <a:latin typeface="Monaco" charset="0"/>
-                <a:ea typeface="Monaco" charset="0"/>
-                <a:cs typeface="Monaco" charset="0"/>
-              </a:rPr>
-              <a:t>value</a:t>
-            </a:r>
-            <a:r>
-              <a:rPr lang="en-US" dirty="0">
-                <a:latin typeface="Monaco" charset="0"/>
-                <a:ea typeface="Monaco" charset="0"/>
-                <a:cs typeface="Monaco" charset="0"/>
-              </a:rPr>
-              <a:t>,</a:t>
-            </a:r>
-            <a:r>
-              <a:rPr lang="en-US" dirty="0">
-                <a:latin typeface="Monaco" charset="0"/>
-                <a:ea typeface="Monaco" charset="0"/>
-                <a:cs typeface="Monaco" charset="0"/>
-              </a:rPr>
-              <a:t>0.975</a:t>
+              <a:t>= quantile(value,0.975</a:t>
             </a:r>
             <a:r>
               <a:rPr lang="en-US" dirty="0" smtClean="0">
@@ -24543,11 +24510,6 @@
               </a:rPr>
               <a:t>[1] 2.437136e-48</a:t>
             </a:r>
-            <a:endParaRPr lang="en-US" sz="1100" b="1" dirty="0">
-              <a:latin typeface="Monaco" charset="0"/>
-              <a:ea typeface="Monaco" charset="0"/>
-              <a:cs typeface="Monaco" charset="0"/>
-            </a:endParaRPr>
           </a:p>
         </p:txBody>
       </p:sp>
@@ -28034,15 +27996,6 @@
                         </a:rPr>
                         <a:t>0.0036</a:t>
                       </a:r>
-                      <a:endParaRPr lang="nb-NO" sz="1800" b="1" kern="1200" dirty="0" smtClean="0">
-                        <a:solidFill>
-                          <a:schemeClr val="dk1"/>
-                        </a:solidFill>
-                        <a:effectLst/>
-                        <a:latin typeface="+mn-lt"/>
-                        <a:ea typeface="+mn-ea"/>
-                        <a:cs typeface="+mn-cs"/>
-                      </a:endParaRPr>
                     </a:p>
                   </a:txBody>
                   <a:tcPr>
@@ -30120,11 +30073,6 @@
                         </a:rPr>
                         <a:t>α * k/m</a:t>
                       </a:r>
-                      <a:endParaRPr lang="en-US" i="1" dirty="0" smtClean="0">
-                        <a:solidFill>
-                          <a:schemeClr val="tx1"/>
-                        </a:solidFill>
-                      </a:endParaRPr>
                     </a:p>
                   </a:txBody>
                   <a:tcPr>
@@ -34582,6 +34530,306 @@
           <a:p>
             <a:r>
               <a:rPr lang="en-US" dirty="0" smtClean="0"/>
+              <a:t>The thrilling age of GWAS</a:t>
+            </a:r>
+            <a:endParaRPr lang="en-US" dirty="0"/>
+          </a:p>
+        </p:txBody>
+      </p:sp>
+      <p:pic>
+        <p:nvPicPr>
+          <p:cNvPr id="4" name="Picture 3"/>
+          <p:cNvPicPr>
+            <a:picLocks noChangeAspect="1"/>
+          </p:cNvPicPr>
+          <p:nvPr/>
+        </p:nvPicPr>
+        <p:blipFill>
+          <a:blip r:embed="rId2"/>
+          <a:stretch>
+            <a:fillRect/>
+          </a:stretch>
+        </p:blipFill>
+        <p:spPr>
+          <a:xfrm>
+            <a:off x="7637616" y="3592256"/>
+            <a:ext cx="3937000" cy="1841500"/>
+          </a:xfrm>
+          <a:prstGeom prst="rect">
+            <a:avLst/>
+          </a:prstGeom>
+        </p:spPr>
+      </p:pic>
+      <p:pic>
+        <p:nvPicPr>
+          <p:cNvPr id="5" name="Picture 4"/>
+          <p:cNvPicPr>
+            <a:picLocks noChangeAspect="1"/>
+          </p:cNvPicPr>
+          <p:nvPr/>
+        </p:nvPicPr>
+        <p:blipFill>
+          <a:blip r:embed="rId3"/>
+          <a:stretch>
+            <a:fillRect/>
+          </a:stretch>
+        </p:blipFill>
+        <p:spPr>
+          <a:xfrm>
+            <a:off x="738811" y="2508250"/>
+            <a:ext cx="5700007" cy="2004756"/>
+          </a:xfrm>
+          <a:prstGeom prst="rect">
+            <a:avLst/>
+          </a:prstGeom>
+        </p:spPr>
+      </p:pic>
+    </p:spTree>
+    <p:extLst>
+      <p:ext uri="{BB962C8B-B14F-4D97-AF65-F5344CB8AC3E}">
+        <p14:creationId xmlns:p14="http://schemas.microsoft.com/office/powerpoint/2010/main" val="637556854"/>
+      </p:ext>
+    </p:extLst>
+  </p:cSld>
+  <p:clrMapOvr>
+    <a:masterClrMapping/>
+  </p:clrMapOvr>
+</p:sld>
+</file>
+
+<file path=ppt/slides/slide66.xml><?xml version="1.0" encoding="utf-8"?>
+<p:sld xmlns:a="http://schemas.openxmlformats.org/drawingml/2006/main" xmlns:r="http://schemas.openxmlformats.org/officeDocument/2006/relationships" xmlns:p="http://schemas.openxmlformats.org/presentationml/2006/main">
+  <p:cSld>
+    <p:spTree>
+      <p:nvGrpSpPr>
+        <p:cNvPr id="1" name=""/>
+        <p:cNvGrpSpPr/>
+        <p:nvPr/>
+      </p:nvGrpSpPr>
+      <p:grpSpPr>
+        <a:xfrm>
+          <a:off x="0" y="0"/>
+          <a:ext cx="0" cy="0"/>
+          <a:chOff x="0" y="0"/>
+          <a:chExt cx="0" cy="0"/>
+        </a:xfrm>
+      </p:grpSpPr>
+      <p:sp>
+        <p:nvSpPr>
+          <p:cNvPr id="2" name="Title 1"/>
+          <p:cNvSpPr>
+            <a:spLocks noGrp="1"/>
+          </p:cNvSpPr>
+          <p:nvPr>
+            <p:ph type="title"/>
+          </p:nvPr>
+        </p:nvSpPr>
+        <p:spPr/>
+        <p:txBody>
+          <a:bodyPr/>
+          <a:lstStyle/>
+          <a:p>
+            <a:r>
+              <a:rPr lang="en-US" dirty="0" smtClean="0"/>
+              <a:t>The age of GWAS</a:t>
+            </a:r>
+            <a:endParaRPr lang="en-US" dirty="0"/>
+          </a:p>
+        </p:txBody>
+      </p:sp>
+      <p:pic>
+        <p:nvPicPr>
+          <p:cNvPr id="7" name="Picture 6"/>
+          <p:cNvPicPr>
+            <a:picLocks noChangeAspect="1"/>
+          </p:cNvPicPr>
+          <p:nvPr/>
+        </p:nvPicPr>
+        <p:blipFill rotWithShape="1">
+          <a:blip r:embed="rId2"/>
+          <a:srcRect b="48833"/>
+          <a:stretch/>
+        </p:blipFill>
+        <p:spPr>
+          <a:xfrm>
+            <a:off x="818535" y="2035277"/>
+            <a:ext cx="10227948" cy="3291752"/>
+          </a:xfrm>
+          <a:prstGeom prst="rect">
+            <a:avLst/>
+          </a:prstGeom>
+        </p:spPr>
+      </p:pic>
+      <p:sp>
+        <p:nvSpPr>
+          <p:cNvPr id="8" name="TextBox 7"/>
+          <p:cNvSpPr txBox="1"/>
+          <p:nvPr/>
+        </p:nvSpPr>
+        <p:spPr>
+          <a:xfrm>
+            <a:off x="818535" y="5327029"/>
+            <a:ext cx="12012561" cy="954107"/>
+          </a:xfrm>
+          <a:prstGeom prst="rect">
+            <a:avLst/>
+          </a:prstGeom>
+          <a:noFill/>
+        </p:spPr>
+        <p:txBody>
+          <a:bodyPr wrap="square" rtlCol="0">
+            <a:spAutoFit/>
+          </a:bodyPr>
+          <a:lstStyle/>
+          <a:p>
+            <a:r>
+              <a:rPr lang="en-US" sz="1400" b="1" dirty="0"/>
+              <a:t>Figure 1. Manhattan plots of genome-wide association study on chicken aggressive-</a:t>
+            </a:r>
+            <a:r>
+              <a:rPr lang="en-US" sz="1400" b="1" dirty="0" err="1"/>
+              <a:t>behaviour</a:t>
+            </a:r>
+            <a:r>
+              <a:rPr lang="en-US" sz="1400" b="1" dirty="0"/>
+              <a:t> measured traits from T1 to T4 for all </a:t>
+            </a:r>
+            <a:r>
+              <a:rPr lang="en-US" sz="1400" b="1" dirty="0" smtClean="0"/>
+              <a:t>the </a:t>
+            </a:r>
+            <a:r>
+              <a:rPr lang="en-US" sz="1400" b="1" dirty="0"/>
+              <a:t>SNPs. </a:t>
+            </a:r>
+            <a:endParaRPr lang="en-US" sz="1400" b="1" dirty="0" smtClean="0"/>
+          </a:p>
+          <a:p>
+            <a:r>
+              <a:rPr lang="en-US" sz="1400" dirty="0" smtClean="0"/>
+              <a:t>The associated </a:t>
+            </a:r>
+            <a:r>
+              <a:rPr lang="en-US" sz="1400" dirty="0"/>
+              <a:t>values (in terms of −log10P) are shown by chromosomes. </a:t>
+            </a:r>
+            <a:endParaRPr lang="en-US" sz="1400" dirty="0" smtClean="0"/>
+          </a:p>
+          <a:p>
+            <a:r>
+              <a:rPr lang="en-US" sz="1400" dirty="0" smtClean="0"/>
+              <a:t>The </a:t>
+            </a:r>
+            <a:r>
+              <a:rPr lang="en-US" sz="1400" dirty="0"/>
+              <a:t>blue highlighted line indicates genome-wide association (</a:t>
+            </a:r>
+            <a:r>
+              <a:rPr lang="en-US" sz="1400" i="1" dirty="0"/>
+              <a:t>P </a:t>
+            </a:r>
+            <a:r>
+              <a:rPr lang="en-US" sz="1400" dirty="0"/>
+              <a:t>= 4.6E-6), </a:t>
+            </a:r>
+            <a:endParaRPr lang="en-US" sz="1400" dirty="0" smtClean="0"/>
+          </a:p>
+          <a:p>
+            <a:r>
+              <a:rPr lang="en-US" sz="1400" dirty="0" smtClean="0"/>
+              <a:t>and </a:t>
+            </a:r>
+            <a:r>
+              <a:rPr lang="en-US" sz="1400" dirty="0"/>
+              <a:t>the red highlighted line indicates </a:t>
+            </a:r>
+            <a:r>
+              <a:rPr lang="en-US" sz="1400" dirty="0"/>
+              <a:t>significance </a:t>
+            </a:r>
+            <a:r>
+              <a:rPr lang="en-US" sz="1400" dirty="0" smtClean="0"/>
+              <a:t> with </a:t>
+            </a:r>
+            <a:r>
+              <a:rPr lang="en-US" sz="1400" dirty="0"/>
+              <a:t>a </a:t>
+            </a:r>
+            <a:r>
+              <a:rPr lang="en-US" sz="1400" i="1" dirty="0"/>
+              <a:t>P</a:t>
+            </a:r>
+            <a:r>
+              <a:rPr lang="en-US" sz="1400" dirty="0"/>
+              <a:t>-value threshold of the 5% Bonferroni genome-wide </a:t>
+            </a:r>
+            <a:r>
+              <a:rPr lang="en-US" sz="1400" dirty="0" smtClean="0"/>
+              <a:t>significance </a:t>
+            </a:r>
+            <a:r>
+              <a:rPr lang="en-US" sz="1400" dirty="0"/>
+              <a:t>(</a:t>
+            </a:r>
+            <a:r>
+              <a:rPr lang="en-US" sz="1400" i="1" dirty="0"/>
+              <a:t>P </a:t>
+            </a:r>
+            <a:r>
+              <a:rPr lang="en-US" sz="1400" dirty="0"/>
+              <a:t>= 2.3E-7). </a:t>
+            </a:r>
+            <a:endParaRPr lang="en-US" sz="1400" dirty="0"/>
+          </a:p>
+        </p:txBody>
+      </p:sp>
+    </p:spTree>
+    <p:extLst>
+      <p:ext uri="{BB962C8B-B14F-4D97-AF65-F5344CB8AC3E}">
+        <p14:creationId xmlns:p14="http://schemas.microsoft.com/office/powerpoint/2010/main" val="1029065848"/>
+      </p:ext>
+    </p:extLst>
+  </p:cSld>
+  <p:clrMapOvr>
+    <a:masterClrMapping/>
+  </p:clrMapOvr>
+</p:sld>
+</file>
+
+<file path=ppt/slides/slide67.xml><?xml version="1.0" encoding="utf-8"?>
+<p:sld xmlns:a="http://schemas.openxmlformats.org/drawingml/2006/main" xmlns:r="http://schemas.openxmlformats.org/officeDocument/2006/relationships" xmlns:p="http://schemas.openxmlformats.org/presentationml/2006/main">
+  <p:cSld>
+    <p:spTree>
+      <p:nvGrpSpPr>
+        <p:cNvPr id="1" name=""/>
+        <p:cNvGrpSpPr/>
+        <p:nvPr/>
+      </p:nvGrpSpPr>
+      <p:grpSpPr>
+        <a:xfrm>
+          <a:off x="0" y="0"/>
+          <a:ext cx="0" cy="0"/>
+          <a:chOff x="0" y="0"/>
+          <a:chExt cx="0" cy="0"/>
+        </a:xfrm>
+      </p:grpSpPr>
+      <p:sp>
+        <p:nvSpPr>
+          <p:cNvPr id="2" name="Title 1"/>
+          <p:cNvSpPr>
+            <a:spLocks noGrp="1"/>
+          </p:cNvSpPr>
+          <p:nvPr>
+            <p:ph type="title"/>
+          </p:nvPr>
+        </p:nvSpPr>
+        <p:spPr/>
+        <p:txBody>
+          <a:bodyPr/>
+          <a:lstStyle/>
+          <a:p>
+            <a:r>
+              <a:rPr lang="en-US" dirty="0" smtClean="0"/>
               <a:t>Exercise break</a:t>
             </a:r>
             <a:endParaRPr lang="en-US" dirty="0"/>
@@ -34860,17 +35108,7 @@
                           <a:effectLst/>
                           <a:latin typeface="Calibri" charset="0"/>
                         </a:rPr>
-                        <a:t># </a:t>
-                      </a:r>
-                      <a:r>
-                        <a:rPr lang="en-US" sz="2000" b="1" i="0" u="none" strike="noStrike" dirty="0" smtClean="0">
-                          <a:solidFill>
-                            <a:srgbClr val="000000"/>
-                          </a:solidFill>
-                          <a:effectLst/>
-                          <a:latin typeface="Calibri" charset="0"/>
-                        </a:rPr>
-                        <a:t>expected</a:t>
+                        <a:t># expected</a:t>
                       </a:r>
                       <a:endParaRPr lang="en-US" sz="2000" b="1" i="0" u="none" strike="noStrike" dirty="0">
                         <a:solidFill>
@@ -36086,23 +36324,7 @@
                 <a:ea typeface="Monaco" charset="0"/>
                 <a:cs typeface="Monaco" charset="0"/>
               </a:rPr>
-              <a:t>      </a:t>
-            </a:r>
-            <a:r>
-              <a:rPr lang="is-IS" dirty="0">
-                <a:latin typeface="Monaco" charset="0"/>
-                <a:ea typeface="Monaco" charset="0"/>
-                <a:cs typeface="Monaco" charset="0"/>
-              </a:rPr>
-              <a:t>3</a:t>
-            </a:r>
-            <a:r>
-              <a:rPr lang="is-IS" dirty="0">
-                <a:latin typeface="Monaco" charset="0"/>
-                <a:ea typeface="Monaco" charset="0"/>
-                <a:cs typeface="Monaco" charset="0"/>
-              </a:rPr>
-              <a:t> </a:t>
+              <a:t>      3 </a:t>
             </a:r>
           </a:p>
           <a:p>

--- a/slides/day8_resampling_multtesting.pptx
+++ b/slides/day8_resampling_multtesting.pptx
@@ -6205,6 +6205,13 @@
   <p:clrMapOvr>
     <a:masterClrMapping/>
   </p:clrMapOvr>
+  <p:timing>
+    <p:tnLst>
+      <p:par>
+        <p:cTn id="1" dur="indefinite" restart="never" nodeType="tmRoot"/>
+      </p:par>
+    </p:tnLst>
+  </p:timing>
 </p:sld>
 </file>
 
@@ -7266,7 +7273,7 @@
                             </p:stCondLst>
                             <p:childTnLst>
                               <p:par>
-                                <p:cTn id="5" presetID="1" presetClass="entr" presetSubtype="0" fill="hold" nodeType="clickEffect">
+                                <p:cTn id="5" presetID="1" presetClass="entr" presetSubtype="0" fill="hold" grpId="0" nodeType="clickEffect">
                                   <p:stCondLst>
                                     <p:cond delay="0"/>
                                   </p:stCondLst>
@@ -7279,7 +7286,7 @@
                                           </p:stCondLst>
                                         </p:cTn>
                                         <p:tgtEl>
-                                          <p:spTgt spid="4"/>
+                                          <p:spTgt spid="6"/>
                                         </p:tgtEl>
                                         <p:attrNameLst>
                                           <p:attrName>style.visibility</p:attrName>
@@ -7319,6 +7326,9 @@
         </p:cTn>
       </p:par>
     </p:tnLst>
+    <p:bldLst>
+      <p:bldP spid="6" grpId="0"/>
+    </p:bldLst>
   </p:timing>
 </p:sld>
 </file>
@@ -7395,6 +7405,13 @@
   <p:clrMapOvr>
     <a:masterClrMapping/>
   </p:clrMapOvr>
+  <p:timing>
+    <p:tnLst>
+      <p:par>
+        <p:cTn id="1" dur="indefinite" restart="never" nodeType="tmRoot"/>
+      </p:par>
+    </p:tnLst>
+  </p:timing>
 </p:sld>
 </file>
 
@@ -7560,6 +7577,13 @@
   <p:clrMapOvr>
     <a:masterClrMapping/>
   </p:clrMapOvr>
+  <p:timing>
+    <p:tnLst>
+      <p:par>
+        <p:cTn id="1" dur="indefinite" restart="never" nodeType="tmRoot"/>
+      </p:par>
+    </p:tnLst>
+  </p:timing>
 </p:sld>
 </file>
 
@@ -9977,6 +10001,13 @@
   <p:clrMapOvr>
     <a:masterClrMapping/>
   </p:clrMapOvr>
+  <p:timing>
+    <p:tnLst>
+      <p:par>
+        <p:cTn id="1" dur="indefinite" restart="never" nodeType="tmRoot"/>
+      </p:par>
+    </p:tnLst>
+  </p:timing>
 </p:sld>
 </file>
 
@@ -10152,6 +10183,13 @@
   <p:clrMapOvr>
     <a:masterClrMapping/>
   </p:clrMapOvr>
+  <p:timing>
+    <p:tnLst>
+      <p:par>
+        <p:cTn id="1" dur="indefinite" restart="never" nodeType="tmRoot"/>
+      </p:par>
+    </p:tnLst>
+  </p:timing>
 </p:sld>
 </file>
 
@@ -10327,6 +10365,13 @@
   <p:clrMapOvr>
     <a:masterClrMapping/>
   </p:clrMapOvr>
+  <p:timing>
+    <p:tnLst>
+      <p:par>
+        <p:cTn id="1" dur="indefinite" restart="never" nodeType="tmRoot"/>
+      </p:par>
+    </p:tnLst>
+  </p:timing>
 </p:sld>
 </file>
 
@@ -10462,6 +10507,84 @@
   <p:clrMapOvr>
     <a:masterClrMapping/>
   </p:clrMapOvr>
+  <p:timing>
+    <p:tnLst>
+      <p:par>
+        <p:cTn id="1" dur="indefinite" restart="never" nodeType="tmRoot">
+          <p:childTnLst>
+            <p:seq concurrent="1" nextAc="seek">
+              <p:cTn id="2" dur="indefinite" nodeType="mainSeq">
+                <p:childTnLst>
+                  <p:par>
+                    <p:cTn id="3" fill="hold">
+                      <p:stCondLst>
+                        <p:cond delay="indefinite"/>
+                      </p:stCondLst>
+                      <p:childTnLst>
+                        <p:par>
+                          <p:cTn id="4" fill="hold">
+                            <p:stCondLst>
+                              <p:cond delay="0"/>
+                            </p:stCondLst>
+                            <p:childTnLst>
+                              <p:par>
+                                <p:cTn id="5" presetID="1" presetClass="entr" presetSubtype="0" fill="hold" grpId="0" nodeType="clickEffect">
+                                  <p:stCondLst>
+                                    <p:cond delay="0"/>
+                                  </p:stCondLst>
+                                  <p:childTnLst>
+                                    <p:set>
+                                      <p:cBhvr>
+                                        <p:cTn id="6" dur="1" fill="hold">
+                                          <p:stCondLst>
+                                            <p:cond delay="0"/>
+                                          </p:stCondLst>
+                                        </p:cTn>
+                                        <p:tgtEl>
+                                          <p:spTgt spid="4"/>
+                                        </p:tgtEl>
+                                        <p:attrNameLst>
+                                          <p:attrName>style.visibility</p:attrName>
+                                        </p:attrNameLst>
+                                      </p:cBhvr>
+                                      <p:to>
+                                        <p:strVal val="visible"/>
+                                      </p:to>
+                                    </p:set>
+                                  </p:childTnLst>
+                                </p:cTn>
+                              </p:par>
+                            </p:childTnLst>
+                          </p:cTn>
+                        </p:par>
+                      </p:childTnLst>
+                    </p:cTn>
+                  </p:par>
+                </p:childTnLst>
+              </p:cTn>
+              <p:prevCondLst>
+                <p:cond evt="onPrev" delay="0">
+                  <p:tgtEl>
+                    <p:sldTgt/>
+                  </p:tgtEl>
+                </p:cond>
+              </p:prevCondLst>
+              <p:nextCondLst>
+                <p:cond evt="onNext" delay="0">
+                  <p:tgtEl>
+                    <p:sldTgt/>
+                  </p:tgtEl>
+                </p:cond>
+              </p:nextCondLst>
+            </p:seq>
+          </p:childTnLst>
+        </p:cTn>
+      </p:par>
+    </p:tnLst>
+    <p:bldLst>
+      <p:bldP spid="4" grpId="0"/>
+    </p:bldLst>
+  </p:timing>
 </p:sld>
 </file>
 
@@ -10788,6 +10911,196 @@
   <p:clrMapOvr>
     <a:masterClrMapping/>
   </p:clrMapOvr>
+  <p:timing>
+    <p:tnLst>
+      <p:par>
+        <p:cTn id="1" dur="indefinite" restart="never" nodeType="tmRoot">
+          <p:childTnLst>
+            <p:seq concurrent="1" nextAc="seek">
+              <p:cTn id="2" dur="indefinite" nodeType="mainSeq">
+                <p:childTnLst>
+                  <p:par>
+                    <p:cTn id="3" fill="hold">
+                      <p:stCondLst>
+                        <p:cond delay="indefinite"/>
+                      </p:stCondLst>
+                      <p:childTnLst>
+                        <p:par>
+                          <p:cTn id="4" fill="hold">
+                            <p:stCondLst>
+                              <p:cond delay="0"/>
+                            </p:stCondLst>
+                            <p:childTnLst>
+                              <p:par>
+                                <p:cTn id="5" presetID="1" presetClass="entr" presetSubtype="0" fill="hold" nodeType="clickEffect">
+                                  <p:stCondLst>
+                                    <p:cond delay="0"/>
+                                  </p:stCondLst>
+                                  <p:childTnLst>
+                                    <p:set>
+                                      <p:cBhvr>
+                                        <p:cTn id="6" dur="1" fill="hold">
+                                          <p:stCondLst>
+                                            <p:cond delay="0"/>
+                                          </p:stCondLst>
+                                        </p:cTn>
+                                        <p:tgtEl>
+                                          <p:spTgt spid="3">
+                                            <p:txEl>
+                                              <p:pRg st="3" end="3"/>
+                                            </p:txEl>
+                                          </p:spTgt>
+                                        </p:tgtEl>
+                                        <p:attrNameLst>
+                                          <p:attrName>style.visibility</p:attrName>
+                                        </p:attrNameLst>
+                                      </p:cBhvr>
+                                      <p:to>
+                                        <p:strVal val="visible"/>
+                                      </p:to>
+                                    </p:set>
+                                  </p:childTnLst>
+                                </p:cTn>
+                              </p:par>
+                              <p:par>
+                                <p:cTn id="7" presetID="1" presetClass="entr" presetSubtype="0" fill="hold" nodeType="withEffect">
+                                  <p:stCondLst>
+                                    <p:cond delay="0"/>
+                                  </p:stCondLst>
+                                  <p:childTnLst>
+                                    <p:set>
+                                      <p:cBhvr>
+                                        <p:cTn id="8" dur="1" fill="hold">
+                                          <p:stCondLst>
+                                            <p:cond delay="0"/>
+                                          </p:stCondLst>
+                                        </p:cTn>
+                                        <p:tgtEl>
+                                          <p:spTgt spid="3">
+                                            <p:txEl>
+                                              <p:pRg st="4" end="4"/>
+                                            </p:txEl>
+                                          </p:spTgt>
+                                        </p:tgtEl>
+                                        <p:attrNameLst>
+                                          <p:attrName>style.visibility</p:attrName>
+                                        </p:attrNameLst>
+                                      </p:cBhvr>
+                                      <p:to>
+                                        <p:strVal val="visible"/>
+                                      </p:to>
+                                    </p:set>
+                                  </p:childTnLst>
+                                </p:cTn>
+                              </p:par>
+                            </p:childTnLst>
+                          </p:cTn>
+                        </p:par>
+                      </p:childTnLst>
+                    </p:cTn>
+                  </p:par>
+                  <p:par>
+                    <p:cTn id="9" fill="hold">
+                      <p:stCondLst>
+                        <p:cond delay="indefinite"/>
+                      </p:stCondLst>
+                      <p:childTnLst>
+                        <p:par>
+                          <p:cTn id="10" fill="hold">
+                            <p:stCondLst>
+                              <p:cond delay="0"/>
+                            </p:stCondLst>
+                            <p:childTnLst>
+                              <p:par>
+                                <p:cTn id="11" presetID="1" presetClass="entr" presetSubtype="0" fill="hold" nodeType="clickEffect">
+                                  <p:stCondLst>
+                                    <p:cond delay="0"/>
+                                  </p:stCondLst>
+                                  <p:childTnLst>
+                                    <p:set>
+                                      <p:cBhvr>
+                                        <p:cTn id="12" dur="1" fill="hold">
+                                          <p:stCondLst>
+                                            <p:cond delay="0"/>
+                                          </p:stCondLst>
+                                        </p:cTn>
+                                        <p:tgtEl>
+                                          <p:spTgt spid="3">
+                                            <p:txEl>
+                                              <p:pRg st="6" end="6"/>
+                                            </p:txEl>
+                                          </p:spTgt>
+                                        </p:tgtEl>
+                                        <p:attrNameLst>
+                                          <p:attrName>style.visibility</p:attrName>
+                                        </p:attrNameLst>
+                                      </p:cBhvr>
+                                      <p:to>
+                                        <p:strVal val="visible"/>
+                                      </p:to>
+                                    </p:set>
+                                  </p:childTnLst>
+                                </p:cTn>
+                              </p:par>
+                              <p:par>
+                                <p:cTn id="13" presetID="1" presetClass="entr" presetSubtype="0" fill="hold" nodeType="withEffect">
+                                  <p:stCondLst>
+                                    <p:cond delay="0"/>
+                                  </p:stCondLst>
+                                  <p:childTnLst>
+                                    <p:set>
+                                      <p:cBhvr>
+                                        <p:cTn id="14" dur="1" fill="hold">
+                                          <p:stCondLst>
+                                            <p:cond delay="0"/>
+                                          </p:stCondLst>
+                                        </p:cTn>
+                                        <p:tgtEl>
+                                          <p:spTgt spid="3">
+                                            <p:txEl>
+                                              <p:pRg st="7" end="7"/>
+                                            </p:txEl>
+                                          </p:spTgt>
+                                        </p:tgtEl>
+                                        <p:attrNameLst>
+                                          <p:attrName>style.visibility</p:attrName>
+                                        </p:attrNameLst>
+                                      </p:cBhvr>
+                                      <p:to>
+                                        <p:strVal val="visible"/>
+                                      </p:to>
+                                    </p:set>
+                                  </p:childTnLst>
+                                </p:cTn>
+                              </p:par>
+                            </p:childTnLst>
+                          </p:cTn>
+                        </p:par>
+                      </p:childTnLst>
+                    </p:cTn>
+                  </p:par>
+                </p:childTnLst>
+              </p:cTn>
+              <p:prevCondLst>
+                <p:cond evt="onPrev" delay="0">
+                  <p:tgtEl>
+                    <p:sldTgt/>
+                  </p:tgtEl>
+                </p:cond>
+              </p:prevCondLst>
+              <p:nextCondLst>
+                <p:cond evt="onNext" delay="0">
+                  <p:tgtEl>
+                    <p:sldTgt/>
+                  </p:tgtEl>
+                </p:cond>
+              </p:nextCondLst>
+            </p:seq>
+          </p:childTnLst>
+        </p:cTn>
+      </p:par>
+    </p:tnLst>
+  </p:timing>
 </p:sld>
 </file>
 
@@ -11019,6 +11332,13 @@
   <p:clrMapOvr>
     <a:masterClrMapping/>
   </p:clrMapOvr>
+  <p:timing>
+    <p:tnLst>
+      <p:par>
+        <p:cTn id="1" dur="indefinite" restart="never" nodeType="tmRoot"/>
+      </p:par>
+    </p:tnLst>
+  </p:timing>
 </p:sld>
 </file>
 
@@ -11237,11 +11557,7 @@
             </a:pPr>
             <a:r>
               <a:rPr lang="en-US" dirty="0" smtClean="0"/>
-              <a:t>Extract your </a:t>
-            </a:r>
-            <a:r>
-              <a:rPr lang="en-US" dirty="0" smtClean="0"/>
-              <a:t>permutations with </a:t>
+              <a:t>Extract your permutations with </a:t>
             </a:r>
             <a:r>
               <a:rPr lang="en-US" sz="2200" dirty="0" err="1" smtClean="0">
@@ -11311,11 +11627,6 @@
               </a:rPr>
               <a:t>::glance()</a:t>
             </a:r>
-            <a:endParaRPr lang="en-US" sz="2400" dirty="0" smtClean="0">
-              <a:latin typeface="Monaco" charset="0"/>
-              <a:ea typeface="Monaco" charset="0"/>
-              <a:cs typeface="Monaco" charset="0"/>
-            </a:endParaRPr>
           </a:p>
           <a:p>
             <a:pPr marL="514350" indent="-514350">
@@ -11340,6 +11651,13 @@
   <p:clrMapOvr>
     <a:masterClrMapping/>
   </p:clrMapOvr>
+  <p:timing>
+    <p:tnLst>
+      <p:par>
+        <p:cTn id="1" dur="indefinite" restart="never" nodeType="tmRoot"/>
+      </p:par>
+    </p:tnLst>
+  </p:timing>
 </p:sld>
 </file>
 
@@ -11552,6 +11870,13 @@
   <p:clrMapOvr>
     <a:masterClrMapping/>
   </p:clrMapOvr>
+  <p:timing>
+    <p:tnLst>
+      <p:par>
+        <p:cTn id="1" dur="indefinite" restart="never" nodeType="tmRoot"/>
+      </p:par>
+    </p:tnLst>
+  </p:timing>
 </p:sld>
 </file>
 
@@ -11860,6 +12185,13 @@
   <p:clrMapOvr>
     <a:masterClrMapping/>
   </p:clrMapOvr>
+  <p:timing>
+    <p:tnLst>
+      <p:par>
+        <p:cTn id="1" dur="indefinite" restart="never" nodeType="tmRoot"/>
+      </p:par>
+    </p:tnLst>
+  </p:timing>
 </p:sld>
 </file>
 
@@ -12031,15 +12363,7 @@
                 <a:ea typeface="Monaco" charset="0"/>
                 <a:cs typeface="Monaco" charset="0"/>
               </a:rPr>
-              <a:t>(t.test</a:t>
-            </a:r>
-            <a:r>
-              <a:rPr lang="is-IS" dirty="0" smtClean="0">
-                <a:latin typeface="Monaco" charset="0"/>
-                <a:ea typeface="Monaco" charset="0"/>
-                <a:cs typeface="Monaco" charset="0"/>
-              </a:rPr>
-              <a:t>( </a:t>
+              <a:t>(t.test( </a:t>
             </a:r>
             <a:r>
               <a:rPr lang="is-IS" b="1" dirty="0" smtClean="0">
@@ -12154,6 +12478,13 @@
   <p:clrMapOvr>
     <a:masterClrMapping/>
   </p:clrMapOvr>
+  <p:timing>
+    <p:tnLst>
+      <p:par>
+        <p:cTn id="1" dur="indefinite" restart="never" nodeType="tmRoot"/>
+      </p:par>
+    </p:tnLst>
+  </p:timing>
 </p:sld>
 </file>
 
@@ -12557,6 +12888,13 @@
   <p:clrMapOvr>
     <a:masterClrMapping/>
   </p:clrMapOvr>
+  <p:timing>
+    <p:tnLst>
+      <p:par>
+        <p:cTn id="1" dur="indefinite" restart="never" nodeType="tmRoot"/>
+      </p:par>
+    </p:tnLst>
+  </p:timing>
 </p:sld>
 </file>
 
@@ -12594,15 +12932,7 @@
           <a:p>
             <a:r>
               <a:rPr lang="en-US" dirty="0" smtClean="0"/>
-              <a:t>Step </a:t>
-            </a:r>
-            <a:r>
-              <a:rPr lang="en-US" dirty="0" smtClean="0"/>
-              <a:t>Two: </a:t>
-            </a:r>
-            <a:r>
-              <a:rPr lang="en-US" dirty="0" smtClean="0"/>
-              <a:t>generate permutated data</a:t>
+              <a:t>Step Two: generate permutated data</a:t>
             </a:r>
             <a:endParaRPr lang="en-US" sz="4000" dirty="0">
               <a:latin typeface="Monaco" charset="0"/>
@@ -12711,23 +13041,7 @@
                 <a:ea typeface="Monaco" charset="0"/>
                 <a:cs typeface="Monaco" charset="0"/>
               </a:rPr>
-              <a:t>### Make 10000 permutations with </a:t>
-            </a:r>
-            <a:r>
-              <a:rPr lang="en-US" sz="1600" dirty="0" smtClean="0">
-                <a:latin typeface="Monaco" charset="0"/>
-                <a:ea typeface="Monaco" charset="0"/>
-                <a:cs typeface="Monaco" charset="0"/>
-              </a:rPr>
-              <a:t>permute(), </a:t>
-            </a:r>
-            <a:r>
-              <a:rPr lang="en-US" sz="1600" dirty="0" smtClean="0">
-                <a:latin typeface="Monaco" charset="0"/>
-                <a:ea typeface="Monaco" charset="0"/>
-                <a:cs typeface="Monaco" charset="0"/>
-              </a:rPr>
-              <a:t>from </a:t>
+              <a:t>### Make 10000 permutations with permute(), from </a:t>
             </a:r>
             <a:r>
               <a:rPr lang="en-US" sz="1600" dirty="0" err="1" smtClean="0">
@@ -12826,7 +13140,15 @@
                 <a:ea typeface="Monaco" charset="0"/>
                 <a:cs typeface="Monaco" charset="0"/>
               </a:rPr>
-              <a:t>(bees</a:t>
+              <a:t>(bees, N, lengths) ## </a:t>
+            </a:r>
+            <a:r>
+              <a:rPr lang="en-US" sz="1600" dirty="0" err="1" smtClean="0">
+                <a:latin typeface="Monaco" charset="0"/>
+                <a:ea typeface="Monaco" charset="0"/>
+                <a:cs typeface="Monaco" charset="0"/>
+              </a:rPr>
+              <a:t>dataframe</a:t>
             </a:r>
             <a:r>
               <a:rPr lang="en-US" sz="1600" dirty="0" smtClean="0">
@@ -12834,37 +13156,8 @@
                 <a:ea typeface="Monaco" charset="0"/>
                 <a:cs typeface="Monaco" charset="0"/>
               </a:rPr>
-              <a:t>, </a:t>
-            </a:r>
-            <a:r>
-              <a:rPr lang="en-US" sz="1600" dirty="0" smtClean="0">
-                <a:latin typeface="Monaco" charset="0"/>
-                <a:ea typeface="Monaco" charset="0"/>
-                <a:cs typeface="Monaco" charset="0"/>
-              </a:rPr>
-              <a:t>N, lengths) ## </a:t>
-            </a:r>
-            <a:r>
-              <a:rPr lang="en-US" sz="1600" dirty="0" err="1" smtClean="0">
-                <a:latin typeface="Monaco" charset="0"/>
-                <a:ea typeface="Monaco" charset="0"/>
-                <a:cs typeface="Monaco" charset="0"/>
-              </a:rPr>
-              <a:t>dataframe</a:t>
-            </a:r>
-            <a:r>
-              <a:rPr lang="en-US" sz="1600" dirty="0" smtClean="0">
-                <a:latin typeface="Monaco" charset="0"/>
-                <a:ea typeface="Monaco" charset="0"/>
-                <a:cs typeface="Monaco" charset="0"/>
-              </a:rPr>
               <a:t> number perms, column to permute</a:t>
             </a:r>
-            <a:endParaRPr lang="en-US" sz="1600" dirty="0" smtClean="0">
-              <a:latin typeface="Monaco" charset="0"/>
-              <a:ea typeface="Monaco" charset="0"/>
-              <a:cs typeface="Monaco" charset="0"/>
-            </a:endParaRPr>
           </a:p>
           <a:p>
             <a:r>
@@ -13226,6 +13519,13 @@
   <p:clrMapOvr>
     <a:masterClrMapping/>
   </p:clrMapOvr>
+  <p:timing>
+    <p:tnLst>
+      <p:par>
+        <p:cTn id="1" dur="indefinite" restart="never" nodeType="tmRoot"/>
+      </p:par>
+    </p:tnLst>
+  </p:timing>
 </p:sld>
 </file>
 
@@ -13745,6 +14045,13 @@
   <p:clrMapOvr>
     <a:masterClrMapping/>
   </p:clrMapOvr>
+  <p:timing>
+    <p:tnLst>
+      <p:par>
+        <p:cTn id="1" dur="indefinite" restart="never" nodeType="tmRoot"/>
+      </p:par>
+    </p:tnLst>
+  </p:timing>
 </p:sld>
 </file>
 
@@ -14188,6 +14495,13 @@
   <p:clrMapOvr>
     <a:masterClrMapping/>
   </p:clrMapOvr>
+  <p:timing>
+    <p:tnLst>
+      <p:par>
+        <p:cTn id="1" dur="indefinite" restart="never" nodeType="tmRoot"/>
+      </p:par>
+    </p:tnLst>
+  </p:timing>
 </p:sld>
 </file>
 
@@ -14368,6 +14682,13 @@
   <p:clrMapOvr>
     <a:masterClrMapping/>
   </p:clrMapOvr>
+  <p:timing>
+    <p:tnLst>
+      <p:par>
+        <p:cTn id="1" dur="indefinite" restart="never" nodeType="tmRoot"/>
+      </p:par>
+    </p:tnLst>
+  </p:timing>
 </p:sld>
 </file>
 
@@ -14681,6 +15002,13 @@
   <p:clrMapOvr>
     <a:masterClrMapping/>
   </p:clrMapOvr>
+  <p:timing>
+    <p:tnLst>
+      <p:par>
+        <p:cTn id="1" dur="indefinite" restart="never" nodeType="tmRoot"/>
+      </p:par>
+    </p:tnLst>
+  </p:timing>
 </p:sld>
 </file>
 
@@ -15238,6 +15566,130 @@
   <p:clrMapOvr>
     <a:masterClrMapping/>
   </p:clrMapOvr>
+  <p:timing>
+    <p:tnLst>
+      <p:par>
+        <p:cTn id="1" dur="indefinite" restart="never" nodeType="tmRoot">
+          <p:childTnLst>
+            <p:seq concurrent="1" nextAc="seek">
+              <p:cTn id="2" dur="indefinite" nodeType="mainSeq">
+                <p:childTnLst>
+                  <p:par>
+                    <p:cTn id="3" fill="hold">
+                      <p:stCondLst>
+                        <p:cond delay="indefinite"/>
+                      </p:stCondLst>
+                      <p:childTnLst>
+                        <p:par>
+                          <p:cTn id="4" fill="hold">
+                            <p:stCondLst>
+                              <p:cond delay="0"/>
+                            </p:stCondLst>
+                            <p:childTnLst>
+                              <p:par>
+                                <p:cTn id="5" presetID="1" presetClass="entr" presetSubtype="0" fill="hold" grpId="0" nodeType="clickEffect">
+                                  <p:stCondLst>
+                                    <p:cond delay="0"/>
+                                  </p:stCondLst>
+                                  <p:childTnLst>
+                                    <p:set>
+                                      <p:cBhvr>
+                                        <p:cTn id="6" dur="1" fill="hold">
+                                          <p:stCondLst>
+                                            <p:cond delay="0"/>
+                                          </p:stCondLst>
+                                        </p:cTn>
+                                        <p:tgtEl>
+                                          <p:spTgt spid="5"/>
+                                        </p:tgtEl>
+                                        <p:attrNameLst>
+                                          <p:attrName>style.visibility</p:attrName>
+                                        </p:attrNameLst>
+                                      </p:cBhvr>
+                                      <p:to>
+                                        <p:strVal val="visible"/>
+                                      </p:to>
+                                    </p:set>
+                                  </p:childTnLst>
+                                </p:cTn>
+                              </p:par>
+                            </p:childTnLst>
+                          </p:cTn>
+                        </p:par>
+                      </p:childTnLst>
+                    </p:cTn>
+                  </p:par>
+                  <p:par>
+                    <p:cTn id="7" fill="hold">
+                      <p:stCondLst>
+                        <p:cond delay="indefinite"/>
+                      </p:stCondLst>
+                      <p:childTnLst>
+                        <p:par>
+                          <p:cTn id="8" fill="hold">
+                            <p:stCondLst>
+                              <p:cond delay="0"/>
+                            </p:stCondLst>
+                            <p:childTnLst>
+                              <p:par>
+                                <p:cTn id="9" presetID="1" presetClass="entr" presetSubtype="0" fill="hold" grpId="0" nodeType="clickEffect">
+                                  <p:stCondLst>
+                                    <p:cond delay="0"/>
+                                  </p:stCondLst>
+                                  <p:childTnLst>
+                                    <p:set>
+                                      <p:cBhvr>
+                                        <p:cTn id="10" dur="1" fill="hold">
+                                          <p:stCondLst>
+                                            <p:cond delay="0"/>
+                                          </p:stCondLst>
+                                        </p:cTn>
+                                        <p:tgtEl>
+                                          <p:spTgt spid="6"/>
+                                        </p:tgtEl>
+                                        <p:attrNameLst>
+                                          <p:attrName>style.visibility</p:attrName>
+                                        </p:attrNameLst>
+                                      </p:cBhvr>
+                                      <p:to>
+                                        <p:strVal val="visible"/>
+                                      </p:to>
+                                    </p:set>
+                                  </p:childTnLst>
+                                </p:cTn>
+                              </p:par>
+                            </p:childTnLst>
+                          </p:cTn>
+                        </p:par>
+                      </p:childTnLst>
+                    </p:cTn>
+                  </p:par>
+                </p:childTnLst>
+              </p:cTn>
+              <p:prevCondLst>
+                <p:cond evt="onPrev" delay="0">
+                  <p:tgtEl>
+                    <p:sldTgt/>
+                  </p:tgtEl>
+                </p:cond>
+              </p:prevCondLst>
+              <p:nextCondLst>
+                <p:cond evt="onNext" delay="0">
+                  <p:tgtEl>
+                    <p:sldTgt/>
+                  </p:tgtEl>
+                </p:cond>
+              </p:nextCondLst>
+            </p:seq>
+          </p:childTnLst>
+        </p:cTn>
+      </p:par>
+    </p:tnLst>
+    <p:bldLst>
+      <p:bldP spid="5" grpId="0"/>
+      <p:bldP spid="6" grpId="0"/>
+    </p:bldLst>
+  </p:timing>
 </p:sld>
 </file>
 
@@ -15448,6 +15900,13 @@
   <p:clrMapOvr>
     <a:masterClrMapping/>
   </p:clrMapOvr>
+  <p:timing>
+    <p:tnLst>
+      <p:par>
+        <p:cTn id="1" dur="indefinite" restart="never" nodeType="tmRoot"/>
+      </p:par>
+    </p:tnLst>
+  </p:timing>
 </p:sld>
 </file>
 
@@ -15740,6 +16199,84 @@
   <p:clrMapOvr>
     <a:masterClrMapping/>
   </p:clrMapOvr>
+  <p:timing>
+    <p:tnLst>
+      <p:par>
+        <p:cTn id="1" dur="indefinite" restart="never" nodeType="tmRoot">
+          <p:childTnLst>
+            <p:seq concurrent="1" nextAc="seek">
+              <p:cTn id="2" dur="indefinite" nodeType="mainSeq">
+                <p:childTnLst>
+                  <p:par>
+                    <p:cTn id="3" fill="hold">
+                      <p:stCondLst>
+                        <p:cond delay="indefinite"/>
+                      </p:stCondLst>
+                      <p:childTnLst>
+                        <p:par>
+                          <p:cTn id="4" fill="hold">
+                            <p:stCondLst>
+                              <p:cond delay="0"/>
+                            </p:stCondLst>
+                            <p:childTnLst>
+                              <p:par>
+                                <p:cTn id="5" presetID="1" presetClass="entr" presetSubtype="0" fill="hold" grpId="0" nodeType="clickEffect">
+                                  <p:stCondLst>
+                                    <p:cond delay="0"/>
+                                  </p:stCondLst>
+                                  <p:childTnLst>
+                                    <p:set>
+                                      <p:cBhvr>
+                                        <p:cTn id="6" dur="1" fill="hold">
+                                          <p:stCondLst>
+                                            <p:cond delay="0"/>
+                                          </p:stCondLst>
+                                        </p:cTn>
+                                        <p:tgtEl>
+                                          <p:spTgt spid="4"/>
+                                        </p:tgtEl>
+                                        <p:attrNameLst>
+                                          <p:attrName>style.visibility</p:attrName>
+                                        </p:attrNameLst>
+                                      </p:cBhvr>
+                                      <p:to>
+                                        <p:strVal val="visible"/>
+                                      </p:to>
+                                    </p:set>
+                                  </p:childTnLst>
+                                </p:cTn>
+                              </p:par>
+                            </p:childTnLst>
+                          </p:cTn>
+                        </p:par>
+                      </p:childTnLst>
+                    </p:cTn>
+                  </p:par>
+                </p:childTnLst>
+              </p:cTn>
+              <p:prevCondLst>
+                <p:cond evt="onPrev" delay="0">
+                  <p:tgtEl>
+                    <p:sldTgt/>
+                  </p:tgtEl>
+                </p:cond>
+              </p:prevCondLst>
+              <p:nextCondLst>
+                <p:cond evt="onNext" delay="0">
+                  <p:tgtEl>
+                    <p:sldTgt/>
+                  </p:tgtEl>
+                </p:cond>
+              </p:nextCondLst>
+            </p:seq>
+          </p:childTnLst>
+        </p:cTn>
+      </p:par>
+    </p:tnLst>
+    <p:bldLst>
+      <p:bldP spid="4" grpId="0"/>
+    </p:bldLst>
+  </p:timing>
 </p:sld>
 </file>
 
@@ -16169,6 +16706,382 @@
   <p:clrMapOvr>
     <a:masterClrMapping/>
   </p:clrMapOvr>
+  <p:timing>
+    <p:tnLst>
+      <p:par>
+        <p:cTn id="1" dur="indefinite" restart="never" nodeType="tmRoot">
+          <p:childTnLst>
+            <p:seq concurrent="1" nextAc="seek">
+              <p:cTn id="2" dur="indefinite" nodeType="mainSeq">
+                <p:childTnLst>
+                  <p:par>
+                    <p:cTn id="3" fill="hold">
+                      <p:stCondLst>
+                        <p:cond delay="indefinite"/>
+                      </p:stCondLst>
+                      <p:childTnLst>
+                        <p:par>
+                          <p:cTn id="4" fill="hold">
+                            <p:stCondLst>
+                              <p:cond delay="0"/>
+                            </p:stCondLst>
+                            <p:childTnLst>
+                              <p:par>
+                                <p:cTn id="5" presetID="1" presetClass="entr" presetSubtype="0" fill="hold" nodeType="clickEffect">
+                                  <p:stCondLst>
+                                    <p:cond delay="0"/>
+                                  </p:stCondLst>
+                                  <p:childTnLst>
+                                    <p:set>
+                                      <p:cBhvr>
+                                        <p:cTn id="6" dur="1" fill="hold">
+                                          <p:stCondLst>
+                                            <p:cond delay="0"/>
+                                          </p:stCondLst>
+                                        </p:cTn>
+                                        <p:tgtEl>
+                                          <p:spTgt spid="4">
+                                            <p:txEl>
+                                              <p:pRg st="6" end="6"/>
+                                            </p:txEl>
+                                          </p:spTgt>
+                                        </p:tgtEl>
+                                        <p:attrNameLst>
+                                          <p:attrName>style.visibility</p:attrName>
+                                        </p:attrNameLst>
+                                      </p:cBhvr>
+                                      <p:to>
+                                        <p:strVal val="visible"/>
+                                      </p:to>
+                                    </p:set>
+                                  </p:childTnLst>
+                                </p:cTn>
+                              </p:par>
+                              <p:par>
+                                <p:cTn id="7" presetID="1" presetClass="entr" presetSubtype="0" fill="hold" nodeType="withEffect">
+                                  <p:stCondLst>
+                                    <p:cond delay="0"/>
+                                  </p:stCondLst>
+                                  <p:childTnLst>
+                                    <p:set>
+                                      <p:cBhvr>
+                                        <p:cTn id="8" dur="1" fill="hold">
+                                          <p:stCondLst>
+                                            <p:cond delay="0"/>
+                                          </p:stCondLst>
+                                        </p:cTn>
+                                        <p:tgtEl>
+                                          <p:spTgt spid="4">
+                                            <p:txEl>
+                                              <p:pRg st="7" end="7"/>
+                                            </p:txEl>
+                                          </p:spTgt>
+                                        </p:tgtEl>
+                                        <p:attrNameLst>
+                                          <p:attrName>style.visibility</p:attrName>
+                                        </p:attrNameLst>
+                                      </p:cBhvr>
+                                      <p:to>
+                                        <p:strVal val="visible"/>
+                                      </p:to>
+                                    </p:set>
+                                  </p:childTnLst>
+                                </p:cTn>
+                              </p:par>
+                              <p:par>
+                                <p:cTn id="9" presetID="1" presetClass="entr" presetSubtype="0" fill="hold" nodeType="withEffect">
+                                  <p:stCondLst>
+                                    <p:cond delay="0"/>
+                                  </p:stCondLst>
+                                  <p:childTnLst>
+                                    <p:set>
+                                      <p:cBhvr>
+                                        <p:cTn id="10" dur="1" fill="hold">
+                                          <p:stCondLst>
+                                            <p:cond delay="0"/>
+                                          </p:stCondLst>
+                                        </p:cTn>
+                                        <p:tgtEl>
+                                          <p:spTgt spid="4">
+                                            <p:txEl>
+                                              <p:pRg st="8" end="8"/>
+                                            </p:txEl>
+                                          </p:spTgt>
+                                        </p:tgtEl>
+                                        <p:attrNameLst>
+                                          <p:attrName>style.visibility</p:attrName>
+                                        </p:attrNameLst>
+                                      </p:cBhvr>
+                                      <p:to>
+                                        <p:strVal val="visible"/>
+                                      </p:to>
+                                    </p:set>
+                                  </p:childTnLst>
+                                </p:cTn>
+                              </p:par>
+                              <p:par>
+                                <p:cTn id="11" presetID="1" presetClass="entr" presetSubtype="0" fill="hold" nodeType="withEffect">
+                                  <p:stCondLst>
+                                    <p:cond delay="0"/>
+                                  </p:stCondLst>
+                                  <p:childTnLst>
+                                    <p:set>
+                                      <p:cBhvr>
+                                        <p:cTn id="12" dur="1" fill="hold">
+                                          <p:stCondLst>
+                                            <p:cond delay="0"/>
+                                          </p:stCondLst>
+                                        </p:cTn>
+                                        <p:tgtEl>
+                                          <p:spTgt spid="4">
+                                            <p:txEl>
+                                              <p:pRg st="9" end="9"/>
+                                            </p:txEl>
+                                          </p:spTgt>
+                                        </p:tgtEl>
+                                        <p:attrNameLst>
+                                          <p:attrName>style.visibility</p:attrName>
+                                        </p:attrNameLst>
+                                      </p:cBhvr>
+                                      <p:to>
+                                        <p:strVal val="visible"/>
+                                      </p:to>
+                                    </p:set>
+                                  </p:childTnLst>
+                                </p:cTn>
+                              </p:par>
+                              <p:par>
+                                <p:cTn id="13" presetID="1" presetClass="entr" presetSubtype="0" fill="hold" nodeType="withEffect">
+                                  <p:stCondLst>
+                                    <p:cond delay="0"/>
+                                  </p:stCondLst>
+                                  <p:childTnLst>
+                                    <p:set>
+                                      <p:cBhvr>
+                                        <p:cTn id="14" dur="1" fill="hold">
+                                          <p:stCondLst>
+                                            <p:cond delay="0"/>
+                                          </p:stCondLst>
+                                        </p:cTn>
+                                        <p:tgtEl>
+                                          <p:spTgt spid="4">
+                                            <p:txEl>
+                                              <p:pRg st="10" end="10"/>
+                                            </p:txEl>
+                                          </p:spTgt>
+                                        </p:tgtEl>
+                                        <p:attrNameLst>
+                                          <p:attrName>style.visibility</p:attrName>
+                                        </p:attrNameLst>
+                                      </p:cBhvr>
+                                      <p:to>
+                                        <p:strVal val="visible"/>
+                                      </p:to>
+                                    </p:set>
+                                  </p:childTnLst>
+                                </p:cTn>
+                              </p:par>
+                            </p:childTnLst>
+                          </p:cTn>
+                        </p:par>
+                      </p:childTnLst>
+                    </p:cTn>
+                  </p:par>
+                  <p:par>
+                    <p:cTn id="15" fill="hold">
+                      <p:stCondLst>
+                        <p:cond delay="indefinite"/>
+                      </p:stCondLst>
+                      <p:childTnLst>
+                        <p:par>
+                          <p:cTn id="16" fill="hold">
+                            <p:stCondLst>
+                              <p:cond delay="0"/>
+                            </p:stCondLst>
+                            <p:childTnLst>
+                              <p:par>
+                                <p:cTn id="17" presetID="1" presetClass="entr" presetSubtype="0" fill="hold" nodeType="clickEffect">
+                                  <p:stCondLst>
+                                    <p:cond delay="0"/>
+                                  </p:stCondLst>
+                                  <p:childTnLst>
+                                    <p:set>
+                                      <p:cBhvr>
+                                        <p:cTn id="18" dur="1" fill="hold">
+                                          <p:stCondLst>
+                                            <p:cond delay="0"/>
+                                          </p:stCondLst>
+                                        </p:cTn>
+                                        <p:tgtEl>
+                                          <p:spTgt spid="4">
+                                            <p:txEl>
+                                              <p:pRg st="12" end="12"/>
+                                            </p:txEl>
+                                          </p:spTgt>
+                                        </p:tgtEl>
+                                        <p:attrNameLst>
+                                          <p:attrName>style.visibility</p:attrName>
+                                        </p:attrNameLst>
+                                      </p:cBhvr>
+                                      <p:to>
+                                        <p:strVal val="visible"/>
+                                      </p:to>
+                                    </p:set>
+                                  </p:childTnLst>
+                                </p:cTn>
+                              </p:par>
+                              <p:par>
+                                <p:cTn id="19" presetID="1" presetClass="entr" presetSubtype="0" fill="hold" nodeType="withEffect">
+                                  <p:stCondLst>
+                                    <p:cond delay="0"/>
+                                  </p:stCondLst>
+                                  <p:childTnLst>
+                                    <p:set>
+                                      <p:cBhvr>
+                                        <p:cTn id="20" dur="1" fill="hold">
+                                          <p:stCondLst>
+                                            <p:cond delay="0"/>
+                                          </p:stCondLst>
+                                        </p:cTn>
+                                        <p:tgtEl>
+                                          <p:spTgt spid="4">
+                                            <p:txEl>
+                                              <p:pRg st="13" end="13"/>
+                                            </p:txEl>
+                                          </p:spTgt>
+                                        </p:tgtEl>
+                                        <p:attrNameLst>
+                                          <p:attrName>style.visibility</p:attrName>
+                                        </p:attrNameLst>
+                                      </p:cBhvr>
+                                      <p:to>
+                                        <p:strVal val="visible"/>
+                                      </p:to>
+                                    </p:set>
+                                  </p:childTnLst>
+                                </p:cTn>
+                              </p:par>
+                              <p:par>
+                                <p:cTn id="21" presetID="1" presetClass="entr" presetSubtype="0" fill="hold" nodeType="withEffect">
+                                  <p:stCondLst>
+                                    <p:cond delay="0"/>
+                                  </p:stCondLst>
+                                  <p:childTnLst>
+                                    <p:set>
+                                      <p:cBhvr>
+                                        <p:cTn id="22" dur="1" fill="hold">
+                                          <p:stCondLst>
+                                            <p:cond delay="0"/>
+                                          </p:stCondLst>
+                                        </p:cTn>
+                                        <p:tgtEl>
+                                          <p:spTgt spid="4">
+                                            <p:txEl>
+                                              <p:pRg st="14" end="14"/>
+                                            </p:txEl>
+                                          </p:spTgt>
+                                        </p:tgtEl>
+                                        <p:attrNameLst>
+                                          <p:attrName>style.visibility</p:attrName>
+                                        </p:attrNameLst>
+                                      </p:cBhvr>
+                                      <p:to>
+                                        <p:strVal val="visible"/>
+                                      </p:to>
+                                    </p:set>
+                                  </p:childTnLst>
+                                </p:cTn>
+                              </p:par>
+                              <p:par>
+                                <p:cTn id="23" presetID="1" presetClass="entr" presetSubtype="0" fill="hold" nodeType="withEffect">
+                                  <p:stCondLst>
+                                    <p:cond delay="0"/>
+                                  </p:stCondLst>
+                                  <p:childTnLst>
+                                    <p:set>
+                                      <p:cBhvr>
+                                        <p:cTn id="24" dur="1" fill="hold">
+                                          <p:stCondLst>
+                                            <p:cond delay="0"/>
+                                          </p:stCondLst>
+                                        </p:cTn>
+                                        <p:tgtEl>
+                                          <p:spTgt spid="4">
+                                            <p:txEl>
+                                              <p:pRg st="15" end="15"/>
+                                            </p:txEl>
+                                          </p:spTgt>
+                                        </p:tgtEl>
+                                        <p:attrNameLst>
+                                          <p:attrName>style.visibility</p:attrName>
+                                        </p:attrNameLst>
+                                      </p:cBhvr>
+                                      <p:to>
+                                        <p:strVal val="visible"/>
+                                      </p:to>
+                                    </p:set>
+                                  </p:childTnLst>
+                                </p:cTn>
+                              </p:par>
+                              <p:par>
+                                <p:cTn id="25" presetID="1" presetClass="entr" presetSubtype="0" fill="hold" nodeType="withEffect">
+                                  <p:stCondLst>
+                                    <p:cond delay="0"/>
+                                  </p:stCondLst>
+                                  <p:childTnLst>
+                                    <p:set>
+                                      <p:cBhvr>
+                                        <p:cTn id="26" dur="1" fill="hold">
+                                          <p:stCondLst>
+                                            <p:cond delay="0"/>
+                                          </p:stCondLst>
+                                        </p:cTn>
+                                        <p:tgtEl>
+                                          <p:spTgt spid="4">
+                                            <p:txEl>
+                                              <p:pRg st="16" end="16"/>
+                                            </p:txEl>
+                                          </p:spTgt>
+                                        </p:tgtEl>
+                                        <p:attrNameLst>
+                                          <p:attrName>style.visibility</p:attrName>
+                                        </p:attrNameLst>
+                                      </p:cBhvr>
+                                      <p:to>
+                                        <p:strVal val="visible"/>
+                                      </p:to>
+                                    </p:set>
+                                  </p:childTnLst>
+                                </p:cTn>
+                              </p:par>
+                            </p:childTnLst>
+                          </p:cTn>
+                        </p:par>
+                      </p:childTnLst>
+                    </p:cTn>
+                  </p:par>
+                </p:childTnLst>
+              </p:cTn>
+              <p:prevCondLst>
+                <p:cond evt="onPrev" delay="0">
+                  <p:tgtEl>
+                    <p:sldTgt/>
+                  </p:tgtEl>
+                </p:cond>
+              </p:prevCondLst>
+              <p:nextCondLst>
+                <p:cond evt="onNext" delay="0">
+                  <p:tgtEl>
+                    <p:sldTgt/>
+                  </p:tgtEl>
+                </p:cond>
+              </p:nextCondLst>
+            </p:seq>
+          </p:childTnLst>
+        </p:cTn>
+      </p:par>
+    </p:tnLst>
+  </p:timing>
 </p:sld>
 </file>
 
@@ -16241,6 +17154,13 @@
   <p:clrMapOvr>
     <a:masterClrMapping/>
   </p:clrMapOvr>
+  <p:timing>
+    <p:tnLst>
+      <p:par>
+        <p:cTn id="1" dur="indefinite" restart="never" nodeType="tmRoot"/>
+      </p:par>
+    </p:tnLst>
+  </p:timing>
 </p:sld>
 </file>
 
@@ -16329,6 +17249,13 @@
   <p:clrMapOvr>
     <a:masterClrMapping/>
   </p:clrMapOvr>
+  <p:timing>
+    <p:tnLst>
+      <p:par>
+        <p:cTn id="1" dur="indefinite" restart="never" nodeType="tmRoot"/>
+      </p:par>
+    </p:tnLst>
+  </p:timing>
 </p:sld>
 </file>
 
@@ -17362,6 +18289,13 @@
   <p:clrMapOvr>
     <a:masterClrMapping/>
   </p:clrMapOvr>
+  <p:timing>
+    <p:tnLst>
+      <p:par>
+        <p:cTn id="1" dur="indefinite" restart="never" nodeType="tmRoot"/>
+      </p:par>
+    </p:tnLst>
+  </p:timing>
 </p:sld>
 </file>
 
@@ -18680,6 +19614,13 @@
   <p:clrMapOvr>
     <a:masterClrMapping/>
   </p:clrMapOvr>
+  <p:timing>
+    <p:tnLst>
+      <p:par>
+        <p:cTn id="1" dur="indefinite" restart="never" nodeType="tmRoot"/>
+      </p:par>
+    </p:tnLst>
+  </p:timing>
 </p:sld>
 </file>
 
@@ -19210,6 +20151,130 @@
   <p:clrMapOvr>
     <a:masterClrMapping/>
   </p:clrMapOvr>
+  <p:timing>
+    <p:tnLst>
+      <p:par>
+        <p:cTn id="1" dur="indefinite" restart="never" nodeType="tmRoot">
+          <p:childTnLst>
+            <p:seq concurrent="1" nextAc="seek">
+              <p:cTn id="2" dur="indefinite" nodeType="mainSeq">
+                <p:childTnLst>
+                  <p:par>
+                    <p:cTn id="3" fill="hold">
+                      <p:stCondLst>
+                        <p:cond delay="indefinite"/>
+                      </p:stCondLst>
+                      <p:childTnLst>
+                        <p:par>
+                          <p:cTn id="4" fill="hold">
+                            <p:stCondLst>
+                              <p:cond delay="0"/>
+                            </p:stCondLst>
+                            <p:childTnLst>
+                              <p:par>
+                                <p:cTn id="5" presetID="1" presetClass="entr" presetSubtype="0" fill="hold" grpId="0" nodeType="clickEffect">
+                                  <p:stCondLst>
+                                    <p:cond delay="0"/>
+                                  </p:stCondLst>
+                                  <p:childTnLst>
+                                    <p:set>
+                                      <p:cBhvr>
+                                        <p:cTn id="6" dur="1" fill="hold">
+                                          <p:stCondLst>
+                                            <p:cond delay="0"/>
+                                          </p:stCondLst>
+                                        </p:cTn>
+                                        <p:tgtEl>
+                                          <p:spTgt spid="5"/>
+                                        </p:tgtEl>
+                                        <p:attrNameLst>
+                                          <p:attrName>style.visibility</p:attrName>
+                                        </p:attrNameLst>
+                                      </p:cBhvr>
+                                      <p:to>
+                                        <p:strVal val="visible"/>
+                                      </p:to>
+                                    </p:set>
+                                  </p:childTnLst>
+                                </p:cTn>
+                              </p:par>
+                            </p:childTnLst>
+                          </p:cTn>
+                        </p:par>
+                      </p:childTnLst>
+                    </p:cTn>
+                  </p:par>
+                  <p:par>
+                    <p:cTn id="7" fill="hold">
+                      <p:stCondLst>
+                        <p:cond delay="indefinite"/>
+                      </p:stCondLst>
+                      <p:childTnLst>
+                        <p:par>
+                          <p:cTn id="8" fill="hold">
+                            <p:stCondLst>
+                              <p:cond delay="0"/>
+                            </p:stCondLst>
+                            <p:childTnLst>
+                              <p:par>
+                                <p:cTn id="9" presetID="1" presetClass="entr" presetSubtype="0" fill="hold" grpId="0" nodeType="clickEffect">
+                                  <p:stCondLst>
+                                    <p:cond delay="0"/>
+                                  </p:stCondLst>
+                                  <p:childTnLst>
+                                    <p:set>
+                                      <p:cBhvr>
+                                        <p:cTn id="10" dur="1" fill="hold">
+                                          <p:stCondLst>
+                                            <p:cond delay="0"/>
+                                          </p:stCondLst>
+                                        </p:cTn>
+                                        <p:tgtEl>
+                                          <p:spTgt spid="6"/>
+                                        </p:tgtEl>
+                                        <p:attrNameLst>
+                                          <p:attrName>style.visibility</p:attrName>
+                                        </p:attrNameLst>
+                                      </p:cBhvr>
+                                      <p:to>
+                                        <p:strVal val="visible"/>
+                                      </p:to>
+                                    </p:set>
+                                  </p:childTnLst>
+                                </p:cTn>
+                              </p:par>
+                            </p:childTnLst>
+                          </p:cTn>
+                        </p:par>
+                      </p:childTnLst>
+                    </p:cTn>
+                  </p:par>
+                </p:childTnLst>
+              </p:cTn>
+              <p:prevCondLst>
+                <p:cond evt="onPrev" delay="0">
+                  <p:tgtEl>
+                    <p:sldTgt/>
+                  </p:tgtEl>
+                </p:cond>
+              </p:prevCondLst>
+              <p:nextCondLst>
+                <p:cond evt="onNext" delay="0">
+                  <p:tgtEl>
+                    <p:sldTgt/>
+                  </p:tgtEl>
+                </p:cond>
+              </p:nextCondLst>
+            </p:seq>
+          </p:childTnLst>
+        </p:cTn>
+      </p:par>
+    </p:tnLst>
+    <p:bldLst>
+      <p:bldP spid="5" grpId="0"/>
+      <p:bldP spid="6" grpId="0"/>
+    </p:bldLst>
+  </p:timing>
 </p:sld>
 </file>
 
@@ -19828,6 +20893,475 @@
   <p:clrMapOvr>
     <a:masterClrMapping/>
   </p:clrMapOvr>
+  <p:timing>
+    <p:tnLst>
+      <p:par>
+        <p:cTn id="1" dur="indefinite" restart="never" nodeType="tmRoot">
+          <p:childTnLst>
+            <p:seq concurrent="1" nextAc="seek">
+              <p:cTn id="2" dur="indefinite" nodeType="mainSeq">
+                <p:childTnLst>
+                  <p:par>
+                    <p:cTn id="3" fill="hold">
+                      <p:stCondLst>
+                        <p:cond delay="indefinite"/>
+                      </p:stCondLst>
+                      <p:childTnLst>
+                        <p:par>
+                          <p:cTn id="4" fill="hold">
+                            <p:stCondLst>
+                              <p:cond delay="0"/>
+                            </p:stCondLst>
+                            <p:childTnLst>
+                              <p:par>
+                                <p:cTn id="5" presetID="1" presetClass="entr" presetSubtype="0" fill="hold" nodeType="clickEffect">
+                                  <p:stCondLst>
+                                    <p:cond delay="0"/>
+                                  </p:stCondLst>
+                                  <p:childTnLst>
+                                    <p:set>
+                                      <p:cBhvr>
+                                        <p:cTn id="6" dur="1" fill="hold">
+                                          <p:stCondLst>
+                                            <p:cond delay="0"/>
+                                          </p:stCondLst>
+                                        </p:cTn>
+                                        <p:tgtEl>
+                                          <p:spTgt spid="4">
+                                            <p:txEl>
+                                              <p:pRg st="1" end="1"/>
+                                            </p:txEl>
+                                          </p:spTgt>
+                                        </p:tgtEl>
+                                        <p:attrNameLst>
+                                          <p:attrName>style.visibility</p:attrName>
+                                        </p:attrNameLst>
+                                      </p:cBhvr>
+                                      <p:to>
+                                        <p:strVal val="visible"/>
+                                      </p:to>
+                                    </p:set>
+                                  </p:childTnLst>
+                                </p:cTn>
+                              </p:par>
+                              <p:par>
+                                <p:cTn id="7" presetID="1" presetClass="entr" presetSubtype="0" fill="hold" nodeType="withEffect">
+                                  <p:stCondLst>
+                                    <p:cond delay="0"/>
+                                  </p:stCondLst>
+                                  <p:childTnLst>
+                                    <p:set>
+                                      <p:cBhvr>
+                                        <p:cTn id="8" dur="1" fill="hold">
+                                          <p:stCondLst>
+                                            <p:cond delay="0"/>
+                                          </p:stCondLst>
+                                        </p:cTn>
+                                        <p:tgtEl>
+                                          <p:spTgt spid="4">
+                                            <p:txEl>
+                                              <p:pRg st="2" end="2"/>
+                                            </p:txEl>
+                                          </p:spTgt>
+                                        </p:tgtEl>
+                                        <p:attrNameLst>
+                                          <p:attrName>style.visibility</p:attrName>
+                                        </p:attrNameLst>
+                                      </p:cBhvr>
+                                      <p:to>
+                                        <p:strVal val="visible"/>
+                                      </p:to>
+                                    </p:set>
+                                  </p:childTnLst>
+                                </p:cTn>
+                              </p:par>
+                              <p:par>
+                                <p:cTn id="9" presetID="1" presetClass="entr" presetSubtype="0" fill="hold" nodeType="withEffect">
+                                  <p:stCondLst>
+                                    <p:cond delay="0"/>
+                                  </p:stCondLst>
+                                  <p:childTnLst>
+                                    <p:set>
+                                      <p:cBhvr>
+                                        <p:cTn id="10" dur="1" fill="hold">
+                                          <p:stCondLst>
+                                            <p:cond delay="0"/>
+                                          </p:stCondLst>
+                                        </p:cTn>
+                                        <p:tgtEl>
+                                          <p:spTgt spid="4">
+                                            <p:txEl>
+                                              <p:pRg st="3" end="3"/>
+                                            </p:txEl>
+                                          </p:spTgt>
+                                        </p:tgtEl>
+                                        <p:attrNameLst>
+                                          <p:attrName>style.visibility</p:attrName>
+                                        </p:attrNameLst>
+                                      </p:cBhvr>
+                                      <p:to>
+                                        <p:strVal val="visible"/>
+                                      </p:to>
+                                    </p:set>
+                                  </p:childTnLst>
+                                </p:cTn>
+                              </p:par>
+                              <p:par>
+                                <p:cTn id="11" presetID="1" presetClass="entr" presetSubtype="0" fill="hold" nodeType="withEffect">
+                                  <p:stCondLst>
+                                    <p:cond delay="0"/>
+                                  </p:stCondLst>
+                                  <p:childTnLst>
+                                    <p:set>
+                                      <p:cBhvr>
+                                        <p:cTn id="12" dur="1" fill="hold">
+                                          <p:stCondLst>
+                                            <p:cond delay="0"/>
+                                          </p:stCondLst>
+                                        </p:cTn>
+                                        <p:tgtEl>
+                                          <p:spTgt spid="4">
+                                            <p:txEl>
+                                              <p:pRg st="4" end="4"/>
+                                            </p:txEl>
+                                          </p:spTgt>
+                                        </p:tgtEl>
+                                        <p:attrNameLst>
+                                          <p:attrName>style.visibility</p:attrName>
+                                        </p:attrNameLst>
+                                      </p:cBhvr>
+                                      <p:to>
+                                        <p:strVal val="visible"/>
+                                      </p:to>
+                                    </p:set>
+                                  </p:childTnLst>
+                                </p:cTn>
+                              </p:par>
+                              <p:par>
+                                <p:cTn id="13" presetID="1" presetClass="entr" presetSubtype="0" fill="hold" nodeType="withEffect">
+                                  <p:stCondLst>
+                                    <p:cond delay="0"/>
+                                  </p:stCondLst>
+                                  <p:childTnLst>
+                                    <p:set>
+                                      <p:cBhvr>
+                                        <p:cTn id="14" dur="1" fill="hold">
+                                          <p:stCondLst>
+                                            <p:cond delay="0"/>
+                                          </p:stCondLst>
+                                        </p:cTn>
+                                        <p:tgtEl>
+                                          <p:spTgt spid="4">
+                                            <p:txEl>
+                                              <p:pRg st="5" end="5"/>
+                                            </p:txEl>
+                                          </p:spTgt>
+                                        </p:tgtEl>
+                                        <p:attrNameLst>
+                                          <p:attrName>style.visibility</p:attrName>
+                                        </p:attrNameLst>
+                                      </p:cBhvr>
+                                      <p:to>
+                                        <p:strVal val="visible"/>
+                                      </p:to>
+                                    </p:set>
+                                  </p:childTnLst>
+                                </p:cTn>
+                              </p:par>
+                              <p:par>
+                                <p:cTn id="15" presetID="1" presetClass="entr" presetSubtype="0" fill="hold" nodeType="withEffect">
+                                  <p:stCondLst>
+                                    <p:cond delay="0"/>
+                                  </p:stCondLst>
+                                  <p:childTnLst>
+                                    <p:set>
+                                      <p:cBhvr>
+                                        <p:cTn id="16" dur="1" fill="hold">
+                                          <p:stCondLst>
+                                            <p:cond delay="0"/>
+                                          </p:stCondLst>
+                                        </p:cTn>
+                                        <p:tgtEl>
+                                          <p:spTgt spid="4">
+                                            <p:txEl>
+                                              <p:pRg st="6" end="6"/>
+                                            </p:txEl>
+                                          </p:spTgt>
+                                        </p:tgtEl>
+                                        <p:attrNameLst>
+                                          <p:attrName>style.visibility</p:attrName>
+                                        </p:attrNameLst>
+                                      </p:cBhvr>
+                                      <p:to>
+                                        <p:strVal val="visible"/>
+                                      </p:to>
+                                    </p:set>
+                                  </p:childTnLst>
+                                </p:cTn>
+                              </p:par>
+                              <p:par>
+                                <p:cTn id="17" presetID="1" presetClass="entr" presetSubtype="0" fill="hold" nodeType="withEffect">
+                                  <p:stCondLst>
+                                    <p:cond delay="0"/>
+                                  </p:stCondLst>
+                                  <p:childTnLst>
+                                    <p:set>
+                                      <p:cBhvr>
+                                        <p:cTn id="18" dur="1" fill="hold">
+                                          <p:stCondLst>
+                                            <p:cond delay="0"/>
+                                          </p:stCondLst>
+                                        </p:cTn>
+                                        <p:tgtEl>
+                                          <p:spTgt spid="4">
+                                            <p:txEl>
+                                              <p:pRg st="7" end="7"/>
+                                            </p:txEl>
+                                          </p:spTgt>
+                                        </p:tgtEl>
+                                        <p:attrNameLst>
+                                          <p:attrName>style.visibility</p:attrName>
+                                        </p:attrNameLst>
+                                      </p:cBhvr>
+                                      <p:to>
+                                        <p:strVal val="visible"/>
+                                      </p:to>
+                                    </p:set>
+                                  </p:childTnLst>
+                                </p:cTn>
+                              </p:par>
+                              <p:par>
+                                <p:cTn id="19" presetID="1" presetClass="entr" presetSubtype="0" fill="hold" nodeType="withEffect">
+                                  <p:stCondLst>
+                                    <p:cond delay="0"/>
+                                  </p:stCondLst>
+                                  <p:childTnLst>
+                                    <p:set>
+                                      <p:cBhvr>
+                                        <p:cTn id="20" dur="1" fill="hold">
+                                          <p:stCondLst>
+                                            <p:cond delay="0"/>
+                                          </p:stCondLst>
+                                        </p:cTn>
+                                        <p:tgtEl>
+                                          <p:spTgt spid="4">
+                                            <p:txEl>
+                                              <p:pRg st="8" end="8"/>
+                                            </p:txEl>
+                                          </p:spTgt>
+                                        </p:tgtEl>
+                                        <p:attrNameLst>
+                                          <p:attrName>style.visibility</p:attrName>
+                                        </p:attrNameLst>
+                                      </p:cBhvr>
+                                      <p:to>
+                                        <p:strVal val="visible"/>
+                                      </p:to>
+                                    </p:set>
+                                  </p:childTnLst>
+                                </p:cTn>
+                              </p:par>
+                              <p:par>
+                                <p:cTn id="21" presetID="1" presetClass="entr" presetSubtype="0" fill="hold" nodeType="withEffect">
+                                  <p:stCondLst>
+                                    <p:cond delay="0"/>
+                                  </p:stCondLst>
+                                  <p:childTnLst>
+                                    <p:set>
+                                      <p:cBhvr>
+                                        <p:cTn id="22" dur="1" fill="hold">
+                                          <p:stCondLst>
+                                            <p:cond delay="0"/>
+                                          </p:stCondLst>
+                                        </p:cTn>
+                                        <p:tgtEl>
+                                          <p:spTgt spid="4">
+                                            <p:txEl>
+                                              <p:pRg st="9" end="9"/>
+                                            </p:txEl>
+                                          </p:spTgt>
+                                        </p:tgtEl>
+                                        <p:attrNameLst>
+                                          <p:attrName>style.visibility</p:attrName>
+                                        </p:attrNameLst>
+                                      </p:cBhvr>
+                                      <p:to>
+                                        <p:strVal val="visible"/>
+                                      </p:to>
+                                    </p:set>
+                                  </p:childTnLst>
+                                </p:cTn>
+                              </p:par>
+                              <p:par>
+                                <p:cTn id="23" presetID="1" presetClass="entr" presetSubtype="0" fill="hold" nodeType="withEffect">
+                                  <p:stCondLst>
+                                    <p:cond delay="0"/>
+                                  </p:stCondLst>
+                                  <p:childTnLst>
+                                    <p:set>
+                                      <p:cBhvr>
+                                        <p:cTn id="24" dur="1" fill="hold">
+                                          <p:stCondLst>
+                                            <p:cond delay="0"/>
+                                          </p:stCondLst>
+                                        </p:cTn>
+                                        <p:tgtEl>
+                                          <p:spTgt spid="4">
+                                            <p:txEl>
+                                              <p:pRg st="10" end="10"/>
+                                            </p:txEl>
+                                          </p:spTgt>
+                                        </p:tgtEl>
+                                        <p:attrNameLst>
+                                          <p:attrName>style.visibility</p:attrName>
+                                        </p:attrNameLst>
+                                      </p:cBhvr>
+                                      <p:to>
+                                        <p:strVal val="visible"/>
+                                      </p:to>
+                                    </p:set>
+                                  </p:childTnLst>
+                                </p:cTn>
+                              </p:par>
+                            </p:childTnLst>
+                          </p:cTn>
+                        </p:par>
+                      </p:childTnLst>
+                    </p:cTn>
+                  </p:par>
+                  <p:par>
+                    <p:cTn id="25" fill="hold">
+                      <p:stCondLst>
+                        <p:cond delay="indefinite"/>
+                      </p:stCondLst>
+                      <p:childTnLst>
+                        <p:par>
+                          <p:cTn id="26" fill="hold">
+                            <p:stCondLst>
+                              <p:cond delay="0"/>
+                            </p:stCondLst>
+                            <p:childTnLst>
+                              <p:par>
+                                <p:cTn id="27" presetID="1" presetClass="entr" presetSubtype="0" fill="hold" nodeType="clickEffect">
+                                  <p:stCondLst>
+                                    <p:cond delay="0"/>
+                                  </p:stCondLst>
+                                  <p:childTnLst>
+                                    <p:set>
+                                      <p:cBhvr>
+                                        <p:cTn id="28" dur="1" fill="hold">
+                                          <p:stCondLst>
+                                            <p:cond delay="0"/>
+                                          </p:stCondLst>
+                                        </p:cTn>
+                                        <p:tgtEl>
+                                          <p:spTgt spid="4">
+                                            <p:txEl>
+                                              <p:pRg st="11" end="11"/>
+                                            </p:txEl>
+                                          </p:spTgt>
+                                        </p:tgtEl>
+                                        <p:attrNameLst>
+                                          <p:attrName>style.visibility</p:attrName>
+                                        </p:attrNameLst>
+                                      </p:cBhvr>
+                                      <p:to>
+                                        <p:strVal val="visible"/>
+                                      </p:to>
+                                    </p:set>
+                                  </p:childTnLst>
+                                </p:cTn>
+                              </p:par>
+                              <p:par>
+                                <p:cTn id="29" presetID="1" presetClass="entr" presetSubtype="0" fill="hold" nodeType="withEffect">
+                                  <p:stCondLst>
+                                    <p:cond delay="0"/>
+                                  </p:stCondLst>
+                                  <p:childTnLst>
+                                    <p:set>
+                                      <p:cBhvr>
+                                        <p:cTn id="30" dur="1" fill="hold">
+                                          <p:stCondLst>
+                                            <p:cond delay="0"/>
+                                          </p:stCondLst>
+                                        </p:cTn>
+                                        <p:tgtEl>
+                                          <p:spTgt spid="4">
+                                            <p:txEl>
+                                              <p:pRg st="12" end="12"/>
+                                            </p:txEl>
+                                          </p:spTgt>
+                                        </p:tgtEl>
+                                        <p:attrNameLst>
+                                          <p:attrName>style.visibility</p:attrName>
+                                        </p:attrNameLst>
+                                      </p:cBhvr>
+                                      <p:to>
+                                        <p:strVal val="visible"/>
+                                      </p:to>
+                                    </p:set>
+                                  </p:childTnLst>
+                                </p:cTn>
+                              </p:par>
+                              <p:par>
+                                <p:cTn id="31" presetID="1" presetClass="entr" presetSubtype="0" fill="hold" nodeType="withEffect">
+                                  <p:stCondLst>
+                                    <p:cond delay="0"/>
+                                  </p:stCondLst>
+                                  <p:childTnLst>
+                                    <p:set>
+                                      <p:cBhvr>
+                                        <p:cTn id="32" dur="1" fill="hold">
+                                          <p:stCondLst>
+                                            <p:cond delay="0"/>
+                                          </p:stCondLst>
+                                        </p:cTn>
+                                        <p:tgtEl>
+                                          <p:spTgt spid="4">
+                                            <p:txEl>
+                                              <p:pRg st="13" end="13"/>
+                                            </p:txEl>
+                                          </p:spTgt>
+                                        </p:tgtEl>
+                                        <p:attrNameLst>
+                                          <p:attrName>style.visibility</p:attrName>
+                                        </p:attrNameLst>
+                                      </p:cBhvr>
+                                      <p:to>
+                                        <p:strVal val="visible"/>
+                                      </p:to>
+                                    </p:set>
+                                  </p:childTnLst>
+                                </p:cTn>
+                              </p:par>
+                            </p:childTnLst>
+                          </p:cTn>
+                        </p:par>
+                      </p:childTnLst>
+                    </p:cTn>
+                  </p:par>
+                </p:childTnLst>
+              </p:cTn>
+              <p:prevCondLst>
+                <p:cond evt="onPrev" delay="0">
+                  <p:tgtEl>
+                    <p:sldTgt/>
+                  </p:tgtEl>
+                </p:cond>
+              </p:prevCondLst>
+              <p:nextCondLst>
+                <p:cond evt="onNext" delay="0">
+                  <p:tgtEl>
+                    <p:sldTgt/>
+                  </p:tgtEl>
+                </p:cond>
+              </p:nextCondLst>
+            </p:seq>
+          </p:childTnLst>
+        </p:cTn>
+      </p:par>
+    </p:tnLst>
+  </p:timing>
 </p:sld>
 </file>
 
@@ -20418,6 +21952,13 @@
   <p:clrMapOvr>
     <a:masterClrMapping/>
   </p:clrMapOvr>
+  <p:timing>
+    <p:tnLst>
+      <p:par>
+        <p:cTn id="1" dur="indefinite" restart="never" nodeType="tmRoot"/>
+      </p:par>
+    </p:tnLst>
+  </p:timing>
 </p:sld>
 </file>
 
@@ -20922,6 +22463,13 @@
   <p:clrMapOvr>
     <a:masterClrMapping/>
   </p:clrMapOvr>
+  <p:timing>
+    <p:tnLst>
+      <p:par>
+        <p:cTn id="1" dur="indefinite" restart="never" nodeType="tmRoot"/>
+      </p:par>
+    </p:tnLst>
+  </p:timing>
 </p:sld>
 </file>
 
@@ -21319,6 +22867,84 @@
   <p:clrMapOvr>
     <a:masterClrMapping/>
   </p:clrMapOvr>
+  <p:timing>
+    <p:tnLst>
+      <p:par>
+        <p:cTn id="1" dur="indefinite" restart="never" nodeType="tmRoot">
+          <p:childTnLst>
+            <p:seq concurrent="1" nextAc="seek">
+              <p:cTn id="2" dur="indefinite" nodeType="mainSeq">
+                <p:childTnLst>
+                  <p:par>
+                    <p:cTn id="3" fill="hold">
+                      <p:stCondLst>
+                        <p:cond delay="indefinite"/>
+                      </p:stCondLst>
+                      <p:childTnLst>
+                        <p:par>
+                          <p:cTn id="4" fill="hold">
+                            <p:stCondLst>
+                              <p:cond delay="0"/>
+                            </p:stCondLst>
+                            <p:childTnLst>
+                              <p:par>
+                                <p:cTn id="5" presetID="1" presetClass="entr" presetSubtype="0" fill="hold" grpId="0" nodeType="clickEffect">
+                                  <p:stCondLst>
+                                    <p:cond delay="0"/>
+                                  </p:stCondLst>
+                                  <p:childTnLst>
+                                    <p:set>
+                                      <p:cBhvr>
+                                        <p:cTn id="6" dur="1" fill="hold">
+                                          <p:stCondLst>
+                                            <p:cond delay="0"/>
+                                          </p:stCondLst>
+                                        </p:cTn>
+                                        <p:tgtEl>
+                                          <p:spTgt spid="6"/>
+                                        </p:tgtEl>
+                                        <p:attrNameLst>
+                                          <p:attrName>style.visibility</p:attrName>
+                                        </p:attrNameLst>
+                                      </p:cBhvr>
+                                      <p:to>
+                                        <p:strVal val="visible"/>
+                                      </p:to>
+                                    </p:set>
+                                  </p:childTnLst>
+                                </p:cTn>
+                              </p:par>
+                            </p:childTnLst>
+                          </p:cTn>
+                        </p:par>
+                      </p:childTnLst>
+                    </p:cTn>
+                  </p:par>
+                </p:childTnLst>
+              </p:cTn>
+              <p:prevCondLst>
+                <p:cond evt="onPrev" delay="0">
+                  <p:tgtEl>
+                    <p:sldTgt/>
+                  </p:tgtEl>
+                </p:cond>
+              </p:prevCondLst>
+              <p:nextCondLst>
+                <p:cond evt="onNext" delay="0">
+                  <p:tgtEl>
+                    <p:sldTgt/>
+                  </p:tgtEl>
+                </p:cond>
+              </p:nextCondLst>
+            </p:seq>
+          </p:childTnLst>
+        </p:cTn>
+      </p:par>
+    </p:tnLst>
+    <p:bldLst>
+      <p:bldP spid="6" grpId="0"/>
+    </p:bldLst>
+  </p:timing>
 </p:sld>
 </file>
 
@@ -21410,6 +23036,13 @@
   <p:clrMapOvr>
     <a:masterClrMapping/>
   </p:clrMapOvr>
+  <p:timing>
+    <p:tnLst>
+      <p:par>
+        <p:cTn id="1" dur="indefinite" restart="never" nodeType="tmRoot"/>
+      </p:par>
+    </p:tnLst>
+  </p:timing>
 </p:sld>
 </file>
 
@@ -21877,6 +23510,13 @@
   <p:clrMapOvr>
     <a:masterClrMapping/>
   </p:clrMapOvr>
+  <p:timing>
+    <p:tnLst>
+      <p:par>
+        <p:cTn id="1" dur="indefinite" restart="never" nodeType="tmRoot"/>
+      </p:par>
+    </p:tnLst>
+  </p:timing>
 </p:sld>
 </file>
 
@@ -22267,6 +23907,364 @@
   <p:clrMapOvr>
     <a:masterClrMapping/>
   </p:clrMapOvr>
+  <p:timing>
+    <p:tnLst>
+      <p:par>
+        <p:cTn id="1" dur="indefinite" restart="never" nodeType="tmRoot">
+          <p:childTnLst>
+            <p:seq concurrent="1" nextAc="seek">
+              <p:cTn id="2" dur="indefinite" nodeType="mainSeq">
+                <p:childTnLst>
+                  <p:par>
+                    <p:cTn id="3" fill="hold">
+                      <p:stCondLst>
+                        <p:cond delay="indefinite"/>
+                      </p:stCondLst>
+                      <p:childTnLst>
+                        <p:par>
+                          <p:cTn id="4" fill="hold">
+                            <p:stCondLst>
+                              <p:cond delay="0"/>
+                            </p:stCondLst>
+                            <p:childTnLst>
+                              <p:par>
+                                <p:cTn id="5" presetID="1" presetClass="entr" presetSubtype="0" fill="hold" nodeType="clickEffect">
+                                  <p:stCondLst>
+                                    <p:cond delay="0"/>
+                                  </p:stCondLst>
+                                  <p:childTnLst>
+                                    <p:set>
+                                      <p:cBhvr>
+                                        <p:cTn id="6" dur="1" fill="hold">
+                                          <p:stCondLst>
+                                            <p:cond delay="0"/>
+                                          </p:stCondLst>
+                                        </p:cTn>
+                                        <p:tgtEl>
+                                          <p:spTgt spid="4">
+                                            <p:txEl>
+                                              <p:pRg st="7" end="7"/>
+                                            </p:txEl>
+                                          </p:spTgt>
+                                        </p:tgtEl>
+                                        <p:attrNameLst>
+                                          <p:attrName>style.visibility</p:attrName>
+                                        </p:attrNameLst>
+                                      </p:cBhvr>
+                                      <p:to>
+                                        <p:strVal val="visible"/>
+                                      </p:to>
+                                    </p:set>
+                                  </p:childTnLst>
+                                </p:cTn>
+                              </p:par>
+                              <p:par>
+                                <p:cTn id="7" presetID="1" presetClass="entr" presetSubtype="0" fill="hold" nodeType="withEffect">
+                                  <p:stCondLst>
+                                    <p:cond delay="0"/>
+                                  </p:stCondLst>
+                                  <p:childTnLst>
+                                    <p:set>
+                                      <p:cBhvr>
+                                        <p:cTn id="8" dur="1" fill="hold">
+                                          <p:stCondLst>
+                                            <p:cond delay="0"/>
+                                          </p:stCondLst>
+                                        </p:cTn>
+                                        <p:tgtEl>
+                                          <p:spTgt spid="4">
+                                            <p:txEl>
+                                              <p:pRg st="8" end="8"/>
+                                            </p:txEl>
+                                          </p:spTgt>
+                                        </p:tgtEl>
+                                        <p:attrNameLst>
+                                          <p:attrName>style.visibility</p:attrName>
+                                        </p:attrNameLst>
+                                      </p:cBhvr>
+                                      <p:to>
+                                        <p:strVal val="visible"/>
+                                      </p:to>
+                                    </p:set>
+                                  </p:childTnLst>
+                                </p:cTn>
+                              </p:par>
+                              <p:par>
+                                <p:cTn id="9" presetID="1" presetClass="entr" presetSubtype="0" fill="hold" nodeType="withEffect">
+                                  <p:stCondLst>
+                                    <p:cond delay="0"/>
+                                  </p:stCondLst>
+                                  <p:childTnLst>
+                                    <p:set>
+                                      <p:cBhvr>
+                                        <p:cTn id="10" dur="1" fill="hold">
+                                          <p:stCondLst>
+                                            <p:cond delay="0"/>
+                                          </p:stCondLst>
+                                        </p:cTn>
+                                        <p:tgtEl>
+                                          <p:spTgt spid="4">
+                                            <p:txEl>
+                                              <p:pRg st="9" end="9"/>
+                                            </p:txEl>
+                                          </p:spTgt>
+                                        </p:tgtEl>
+                                        <p:attrNameLst>
+                                          <p:attrName>style.visibility</p:attrName>
+                                        </p:attrNameLst>
+                                      </p:cBhvr>
+                                      <p:to>
+                                        <p:strVal val="visible"/>
+                                      </p:to>
+                                    </p:set>
+                                  </p:childTnLst>
+                                </p:cTn>
+                              </p:par>
+                              <p:par>
+                                <p:cTn id="11" presetID="1" presetClass="entr" presetSubtype="0" fill="hold" nodeType="withEffect">
+                                  <p:stCondLst>
+                                    <p:cond delay="0"/>
+                                  </p:stCondLst>
+                                  <p:childTnLst>
+                                    <p:set>
+                                      <p:cBhvr>
+                                        <p:cTn id="12" dur="1" fill="hold">
+                                          <p:stCondLst>
+                                            <p:cond delay="0"/>
+                                          </p:stCondLst>
+                                        </p:cTn>
+                                        <p:tgtEl>
+                                          <p:spTgt spid="4">
+                                            <p:txEl>
+                                              <p:pRg st="10" end="10"/>
+                                            </p:txEl>
+                                          </p:spTgt>
+                                        </p:tgtEl>
+                                        <p:attrNameLst>
+                                          <p:attrName>style.visibility</p:attrName>
+                                        </p:attrNameLst>
+                                      </p:cBhvr>
+                                      <p:to>
+                                        <p:strVal val="visible"/>
+                                      </p:to>
+                                    </p:set>
+                                  </p:childTnLst>
+                                </p:cTn>
+                              </p:par>
+                              <p:par>
+                                <p:cTn id="13" presetID="1" presetClass="entr" presetSubtype="0" fill="hold" nodeType="withEffect">
+                                  <p:stCondLst>
+                                    <p:cond delay="0"/>
+                                  </p:stCondLst>
+                                  <p:childTnLst>
+                                    <p:set>
+                                      <p:cBhvr>
+                                        <p:cTn id="14" dur="1" fill="hold">
+                                          <p:stCondLst>
+                                            <p:cond delay="0"/>
+                                          </p:stCondLst>
+                                        </p:cTn>
+                                        <p:tgtEl>
+                                          <p:spTgt spid="4">
+                                            <p:txEl>
+                                              <p:pRg st="11" end="11"/>
+                                            </p:txEl>
+                                          </p:spTgt>
+                                        </p:tgtEl>
+                                        <p:attrNameLst>
+                                          <p:attrName>style.visibility</p:attrName>
+                                        </p:attrNameLst>
+                                      </p:cBhvr>
+                                      <p:to>
+                                        <p:strVal val="visible"/>
+                                      </p:to>
+                                    </p:set>
+                                  </p:childTnLst>
+                                </p:cTn>
+                              </p:par>
+                              <p:par>
+                                <p:cTn id="15" presetID="1" presetClass="entr" presetSubtype="0" fill="hold" nodeType="withEffect">
+                                  <p:stCondLst>
+                                    <p:cond delay="0"/>
+                                  </p:stCondLst>
+                                  <p:childTnLst>
+                                    <p:set>
+                                      <p:cBhvr>
+                                        <p:cTn id="16" dur="1" fill="hold">
+                                          <p:stCondLst>
+                                            <p:cond delay="0"/>
+                                          </p:stCondLst>
+                                        </p:cTn>
+                                        <p:tgtEl>
+                                          <p:spTgt spid="4">
+                                            <p:txEl>
+                                              <p:pRg st="12" end="12"/>
+                                            </p:txEl>
+                                          </p:spTgt>
+                                        </p:tgtEl>
+                                        <p:attrNameLst>
+                                          <p:attrName>style.visibility</p:attrName>
+                                        </p:attrNameLst>
+                                      </p:cBhvr>
+                                      <p:to>
+                                        <p:strVal val="visible"/>
+                                      </p:to>
+                                    </p:set>
+                                  </p:childTnLst>
+                                </p:cTn>
+                              </p:par>
+                              <p:par>
+                                <p:cTn id="17" presetID="1" presetClass="entr" presetSubtype="0" fill="hold" nodeType="withEffect">
+                                  <p:stCondLst>
+                                    <p:cond delay="0"/>
+                                  </p:stCondLst>
+                                  <p:childTnLst>
+                                    <p:set>
+                                      <p:cBhvr>
+                                        <p:cTn id="18" dur="1" fill="hold">
+                                          <p:stCondLst>
+                                            <p:cond delay="0"/>
+                                          </p:stCondLst>
+                                        </p:cTn>
+                                        <p:tgtEl>
+                                          <p:spTgt spid="4">
+                                            <p:txEl>
+                                              <p:pRg st="13" end="13"/>
+                                            </p:txEl>
+                                          </p:spTgt>
+                                        </p:tgtEl>
+                                        <p:attrNameLst>
+                                          <p:attrName>style.visibility</p:attrName>
+                                        </p:attrNameLst>
+                                      </p:cBhvr>
+                                      <p:to>
+                                        <p:strVal val="visible"/>
+                                      </p:to>
+                                    </p:set>
+                                  </p:childTnLst>
+                                </p:cTn>
+                              </p:par>
+                              <p:par>
+                                <p:cTn id="19" presetID="1" presetClass="entr" presetSubtype="0" fill="hold" nodeType="withEffect">
+                                  <p:stCondLst>
+                                    <p:cond delay="0"/>
+                                  </p:stCondLst>
+                                  <p:childTnLst>
+                                    <p:set>
+                                      <p:cBhvr>
+                                        <p:cTn id="20" dur="1" fill="hold">
+                                          <p:stCondLst>
+                                            <p:cond delay="0"/>
+                                          </p:stCondLst>
+                                        </p:cTn>
+                                        <p:tgtEl>
+                                          <p:spTgt spid="4">
+                                            <p:txEl>
+                                              <p:pRg st="14" end="14"/>
+                                            </p:txEl>
+                                          </p:spTgt>
+                                        </p:tgtEl>
+                                        <p:attrNameLst>
+                                          <p:attrName>style.visibility</p:attrName>
+                                        </p:attrNameLst>
+                                      </p:cBhvr>
+                                      <p:to>
+                                        <p:strVal val="visible"/>
+                                      </p:to>
+                                    </p:set>
+                                  </p:childTnLst>
+                                </p:cTn>
+                              </p:par>
+                              <p:par>
+                                <p:cTn id="21" presetID="1" presetClass="entr" presetSubtype="0" fill="hold" nodeType="withEffect">
+                                  <p:stCondLst>
+                                    <p:cond delay="0"/>
+                                  </p:stCondLst>
+                                  <p:childTnLst>
+                                    <p:set>
+                                      <p:cBhvr>
+                                        <p:cTn id="22" dur="1" fill="hold">
+                                          <p:stCondLst>
+                                            <p:cond delay="0"/>
+                                          </p:stCondLst>
+                                        </p:cTn>
+                                        <p:tgtEl>
+                                          <p:spTgt spid="4">
+                                            <p:txEl>
+                                              <p:pRg st="15" end="15"/>
+                                            </p:txEl>
+                                          </p:spTgt>
+                                        </p:tgtEl>
+                                        <p:attrNameLst>
+                                          <p:attrName>style.visibility</p:attrName>
+                                        </p:attrNameLst>
+                                      </p:cBhvr>
+                                      <p:to>
+                                        <p:strVal val="visible"/>
+                                      </p:to>
+                                    </p:set>
+                                  </p:childTnLst>
+                                </p:cTn>
+                              </p:par>
+                              <p:par>
+                                <p:cTn id="23" presetID="1" presetClass="entr" presetSubtype="0" fill="hold" nodeType="withEffect">
+                                  <p:stCondLst>
+                                    <p:cond delay="0"/>
+                                  </p:stCondLst>
+                                  <p:childTnLst>
+                                    <p:set>
+                                      <p:cBhvr>
+                                        <p:cTn id="24" dur="1" fill="hold">
+                                          <p:stCondLst>
+                                            <p:cond delay="0"/>
+                                          </p:stCondLst>
+                                        </p:cTn>
+                                        <p:tgtEl>
+                                          <p:spTgt spid="4">
+                                            <p:txEl>
+                                              <p:pRg st="16" end="16"/>
+                                            </p:txEl>
+                                          </p:spTgt>
+                                        </p:tgtEl>
+                                        <p:attrNameLst>
+                                          <p:attrName>style.visibility</p:attrName>
+                                        </p:attrNameLst>
+                                      </p:cBhvr>
+                                      <p:to>
+                                        <p:strVal val="visible"/>
+                                      </p:to>
+                                    </p:set>
+                                  </p:childTnLst>
+                                </p:cTn>
+                              </p:par>
+                            </p:childTnLst>
+                          </p:cTn>
+                        </p:par>
+                      </p:childTnLst>
+                    </p:cTn>
+                  </p:par>
+                </p:childTnLst>
+              </p:cTn>
+              <p:prevCondLst>
+                <p:cond evt="onPrev" delay="0">
+                  <p:tgtEl>
+                    <p:sldTgt/>
+                  </p:tgtEl>
+                </p:cond>
+              </p:prevCondLst>
+              <p:nextCondLst>
+                <p:cond evt="onNext" delay="0">
+                  <p:tgtEl>
+                    <p:sldTgt/>
+                  </p:tgtEl>
+                </p:cond>
+              </p:nextCondLst>
+            </p:seq>
+          </p:childTnLst>
+        </p:cTn>
+      </p:par>
+    </p:tnLst>
+  </p:timing>
 </p:sld>
 </file>
 
@@ -22688,6 +24686,130 @@
   <p:clrMapOvr>
     <a:masterClrMapping/>
   </p:clrMapOvr>
+  <p:timing>
+    <p:tnLst>
+      <p:par>
+        <p:cTn id="1" dur="indefinite" restart="never" nodeType="tmRoot">
+          <p:childTnLst>
+            <p:seq concurrent="1" nextAc="seek">
+              <p:cTn id="2" dur="indefinite" nodeType="mainSeq">
+                <p:childTnLst>
+                  <p:par>
+                    <p:cTn id="3" fill="hold">
+                      <p:stCondLst>
+                        <p:cond delay="indefinite"/>
+                      </p:stCondLst>
+                      <p:childTnLst>
+                        <p:par>
+                          <p:cTn id="4" fill="hold">
+                            <p:stCondLst>
+                              <p:cond delay="0"/>
+                            </p:stCondLst>
+                            <p:childTnLst>
+                              <p:par>
+                                <p:cTn id="5" presetID="1" presetClass="entr" presetSubtype="0" fill="hold" grpId="0" nodeType="clickEffect">
+                                  <p:stCondLst>
+                                    <p:cond delay="0"/>
+                                  </p:stCondLst>
+                                  <p:childTnLst>
+                                    <p:set>
+                                      <p:cBhvr>
+                                        <p:cTn id="6" dur="1" fill="hold">
+                                          <p:stCondLst>
+                                            <p:cond delay="0"/>
+                                          </p:stCondLst>
+                                        </p:cTn>
+                                        <p:tgtEl>
+                                          <p:spTgt spid="5"/>
+                                        </p:tgtEl>
+                                        <p:attrNameLst>
+                                          <p:attrName>style.visibility</p:attrName>
+                                        </p:attrNameLst>
+                                      </p:cBhvr>
+                                      <p:to>
+                                        <p:strVal val="visible"/>
+                                      </p:to>
+                                    </p:set>
+                                  </p:childTnLst>
+                                </p:cTn>
+                              </p:par>
+                            </p:childTnLst>
+                          </p:cTn>
+                        </p:par>
+                      </p:childTnLst>
+                    </p:cTn>
+                  </p:par>
+                  <p:par>
+                    <p:cTn id="7" fill="hold">
+                      <p:stCondLst>
+                        <p:cond delay="indefinite"/>
+                      </p:stCondLst>
+                      <p:childTnLst>
+                        <p:par>
+                          <p:cTn id="8" fill="hold">
+                            <p:stCondLst>
+                              <p:cond delay="0"/>
+                            </p:stCondLst>
+                            <p:childTnLst>
+                              <p:par>
+                                <p:cTn id="9" presetID="1" presetClass="entr" presetSubtype="0" fill="hold" grpId="0" nodeType="clickEffect">
+                                  <p:stCondLst>
+                                    <p:cond delay="0"/>
+                                  </p:stCondLst>
+                                  <p:childTnLst>
+                                    <p:set>
+                                      <p:cBhvr>
+                                        <p:cTn id="10" dur="1" fill="hold">
+                                          <p:stCondLst>
+                                            <p:cond delay="0"/>
+                                          </p:stCondLst>
+                                        </p:cTn>
+                                        <p:tgtEl>
+                                          <p:spTgt spid="6"/>
+                                        </p:tgtEl>
+                                        <p:attrNameLst>
+                                          <p:attrName>style.visibility</p:attrName>
+                                        </p:attrNameLst>
+                                      </p:cBhvr>
+                                      <p:to>
+                                        <p:strVal val="visible"/>
+                                      </p:to>
+                                    </p:set>
+                                  </p:childTnLst>
+                                </p:cTn>
+                              </p:par>
+                            </p:childTnLst>
+                          </p:cTn>
+                        </p:par>
+                      </p:childTnLst>
+                    </p:cTn>
+                  </p:par>
+                </p:childTnLst>
+              </p:cTn>
+              <p:prevCondLst>
+                <p:cond evt="onPrev" delay="0">
+                  <p:tgtEl>
+                    <p:sldTgt/>
+                  </p:tgtEl>
+                </p:cond>
+              </p:prevCondLst>
+              <p:nextCondLst>
+                <p:cond evt="onNext" delay="0">
+                  <p:tgtEl>
+                    <p:sldTgt/>
+                  </p:tgtEl>
+                </p:cond>
+              </p:nextCondLst>
+            </p:seq>
+          </p:childTnLst>
+        </p:cTn>
+      </p:par>
+    </p:tnLst>
+    <p:bldLst>
+      <p:bldP spid="5" grpId="0"/>
+      <p:bldP spid="6" grpId="0"/>
+    </p:bldLst>
+  </p:timing>
 </p:sld>
 </file>
 
@@ -22760,6 +24882,13 @@
   <p:clrMapOvr>
     <a:masterClrMapping/>
   </p:clrMapOvr>
+  <p:timing>
+    <p:tnLst>
+      <p:par>
+        <p:cTn id="1" dur="indefinite" restart="never" nodeType="tmRoot"/>
+      </p:par>
+    </p:tnLst>
+  </p:timing>
 </p:sld>
 </file>
 
@@ -22884,6 +25013,209 @@
   <p:clrMapOvr>
     <a:masterClrMapping/>
   </p:clrMapOvr>
+  <p:timing>
+    <p:tnLst>
+      <p:par>
+        <p:cTn id="1" dur="indefinite" restart="never" nodeType="tmRoot">
+          <p:childTnLst>
+            <p:seq concurrent="1" nextAc="seek">
+              <p:cTn id="2" dur="indefinite" nodeType="mainSeq">
+                <p:childTnLst>
+                  <p:par>
+                    <p:cTn id="3" fill="hold">
+                      <p:stCondLst>
+                        <p:cond delay="indefinite"/>
+                      </p:stCondLst>
+                      <p:childTnLst>
+                        <p:par>
+                          <p:cTn id="4" fill="hold">
+                            <p:stCondLst>
+                              <p:cond delay="0"/>
+                            </p:stCondLst>
+                            <p:childTnLst>
+                              <p:par>
+                                <p:cTn id="5" presetID="1" presetClass="entr" presetSubtype="0" fill="hold" nodeType="clickEffect">
+                                  <p:stCondLst>
+                                    <p:cond delay="0"/>
+                                  </p:stCondLst>
+                                  <p:childTnLst>
+                                    <p:set>
+                                      <p:cBhvr>
+                                        <p:cTn id="6" dur="1" fill="hold">
+                                          <p:stCondLst>
+                                            <p:cond delay="0"/>
+                                          </p:stCondLst>
+                                        </p:cTn>
+                                        <p:tgtEl>
+                                          <p:spTgt spid="3">
+                                            <p:txEl>
+                                              <p:pRg st="2" end="2"/>
+                                            </p:txEl>
+                                          </p:spTgt>
+                                        </p:tgtEl>
+                                        <p:attrNameLst>
+                                          <p:attrName>style.visibility</p:attrName>
+                                        </p:attrNameLst>
+                                      </p:cBhvr>
+                                      <p:to>
+                                        <p:strVal val="visible"/>
+                                      </p:to>
+                                    </p:set>
+                                  </p:childTnLst>
+                                </p:cTn>
+                              </p:par>
+                              <p:par>
+                                <p:cTn id="7" presetID="1" presetClass="entr" presetSubtype="0" fill="hold" nodeType="withEffect">
+                                  <p:stCondLst>
+                                    <p:cond delay="0"/>
+                                  </p:stCondLst>
+                                  <p:childTnLst>
+                                    <p:set>
+                                      <p:cBhvr>
+                                        <p:cTn id="8" dur="1" fill="hold">
+                                          <p:stCondLst>
+                                            <p:cond delay="0"/>
+                                          </p:stCondLst>
+                                        </p:cTn>
+                                        <p:tgtEl>
+                                          <p:spTgt spid="3">
+                                            <p:txEl>
+                                              <p:pRg st="3" end="3"/>
+                                            </p:txEl>
+                                          </p:spTgt>
+                                        </p:tgtEl>
+                                        <p:attrNameLst>
+                                          <p:attrName>style.visibility</p:attrName>
+                                        </p:attrNameLst>
+                                      </p:cBhvr>
+                                      <p:to>
+                                        <p:strVal val="visible"/>
+                                      </p:to>
+                                    </p:set>
+                                  </p:childTnLst>
+                                </p:cTn>
+                              </p:par>
+                              <p:par>
+                                <p:cTn id="9" presetID="1" presetClass="entr" presetSubtype="0" fill="hold" nodeType="withEffect">
+                                  <p:stCondLst>
+                                    <p:cond delay="0"/>
+                                  </p:stCondLst>
+                                  <p:childTnLst>
+                                    <p:set>
+                                      <p:cBhvr>
+                                        <p:cTn id="10" dur="1" fill="hold">
+                                          <p:stCondLst>
+                                            <p:cond delay="0"/>
+                                          </p:stCondLst>
+                                        </p:cTn>
+                                        <p:tgtEl>
+                                          <p:spTgt spid="3">
+                                            <p:txEl>
+                                              <p:pRg st="4" end="4"/>
+                                            </p:txEl>
+                                          </p:spTgt>
+                                        </p:tgtEl>
+                                        <p:attrNameLst>
+                                          <p:attrName>style.visibility</p:attrName>
+                                        </p:attrNameLst>
+                                      </p:cBhvr>
+                                      <p:to>
+                                        <p:strVal val="visible"/>
+                                      </p:to>
+                                    </p:set>
+                                  </p:childTnLst>
+                                </p:cTn>
+                              </p:par>
+                              <p:par>
+                                <p:cTn id="11" presetID="1" presetClass="entr" presetSubtype="0" fill="hold" nodeType="withEffect">
+                                  <p:stCondLst>
+                                    <p:cond delay="0"/>
+                                  </p:stCondLst>
+                                  <p:childTnLst>
+                                    <p:set>
+                                      <p:cBhvr>
+                                        <p:cTn id="12" dur="1" fill="hold">
+                                          <p:stCondLst>
+                                            <p:cond delay="0"/>
+                                          </p:stCondLst>
+                                        </p:cTn>
+                                        <p:tgtEl>
+                                          <p:spTgt spid="3">
+                                            <p:txEl>
+                                              <p:pRg st="5" end="5"/>
+                                            </p:txEl>
+                                          </p:spTgt>
+                                        </p:tgtEl>
+                                        <p:attrNameLst>
+                                          <p:attrName>style.visibility</p:attrName>
+                                        </p:attrNameLst>
+                                      </p:cBhvr>
+                                      <p:to>
+                                        <p:strVal val="visible"/>
+                                      </p:to>
+                                    </p:set>
+                                  </p:childTnLst>
+                                </p:cTn>
+                              </p:par>
+                              <p:par>
+                                <p:cTn id="13" presetID="1" presetClass="entr" presetSubtype="0" fill="hold" nodeType="withEffect">
+                                  <p:stCondLst>
+                                    <p:cond delay="0"/>
+                                  </p:stCondLst>
+                                  <p:childTnLst>
+                                    <p:set>
+                                      <p:cBhvr>
+                                        <p:cTn id="14" dur="1" fill="hold">
+                                          <p:stCondLst>
+                                            <p:cond delay="0"/>
+                                          </p:stCondLst>
+                                        </p:cTn>
+                                        <p:tgtEl>
+                                          <p:spTgt spid="3">
+                                            <p:txEl>
+                                              <p:pRg st="6" end="6"/>
+                                            </p:txEl>
+                                          </p:spTgt>
+                                        </p:tgtEl>
+                                        <p:attrNameLst>
+                                          <p:attrName>style.visibility</p:attrName>
+                                        </p:attrNameLst>
+                                      </p:cBhvr>
+                                      <p:to>
+                                        <p:strVal val="visible"/>
+                                      </p:to>
+                                    </p:set>
+                                  </p:childTnLst>
+                                </p:cTn>
+                              </p:par>
+                            </p:childTnLst>
+                          </p:cTn>
+                        </p:par>
+                      </p:childTnLst>
+                    </p:cTn>
+                  </p:par>
+                </p:childTnLst>
+              </p:cTn>
+              <p:prevCondLst>
+                <p:cond evt="onPrev" delay="0">
+                  <p:tgtEl>
+                    <p:sldTgt/>
+                  </p:tgtEl>
+                </p:cond>
+              </p:prevCondLst>
+              <p:nextCondLst>
+                <p:cond evt="onNext" delay="0">
+                  <p:tgtEl>
+                    <p:sldTgt/>
+                  </p:tgtEl>
+                </p:cond>
+              </p:nextCondLst>
+            </p:seq>
+          </p:childTnLst>
+        </p:cTn>
+      </p:par>
+    </p:tnLst>
+  </p:timing>
 </p:sld>
 </file>
 
@@ -23075,6 +25407,245 @@
   <p:clrMapOvr>
     <a:masterClrMapping/>
   </p:clrMapOvr>
+  <p:timing>
+    <p:tnLst>
+      <p:par>
+        <p:cTn id="1" dur="indefinite" restart="never" nodeType="tmRoot">
+          <p:childTnLst>
+            <p:seq concurrent="1" nextAc="seek">
+              <p:cTn id="2" dur="indefinite" nodeType="mainSeq">
+                <p:childTnLst>
+                  <p:par>
+                    <p:cTn id="3" fill="hold">
+                      <p:stCondLst>
+                        <p:cond delay="indefinite"/>
+                      </p:stCondLst>
+                      <p:childTnLst>
+                        <p:par>
+                          <p:cTn id="4" fill="hold">
+                            <p:stCondLst>
+                              <p:cond delay="0"/>
+                            </p:stCondLst>
+                            <p:childTnLst>
+                              <p:par>
+                                <p:cTn id="5" presetID="1" presetClass="entr" presetSubtype="0" fill="hold" nodeType="clickEffect">
+                                  <p:stCondLst>
+                                    <p:cond delay="0"/>
+                                  </p:stCondLst>
+                                  <p:childTnLst>
+                                    <p:set>
+                                      <p:cBhvr>
+                                        <p:cTn id="6" dur="1" fill="hold">
+                                          <p:stCondLst>
+                                            <p:cond delay="0"/>
+                                          </p:stCondLst>
+                                        </p:cTn>
+                                        <p:tgtEl>
+                                          <p:spTgt spid="4">
+                                            <p:txEl>
+                                              <p:pRg st="4" end="4"/>
+                                            </p:txEl>
+                                          </p:spTgt>
+                                        </p:tgtEl>
+                                        <p:attrNameLst>
+                                          <p:attrName>style.visibility</p:attrName>
+                                        </p:attrNameLst>
+                                      </p:cBhvr>
+                                      <p:to>
+                                        <p:strVal val="visible"/>
+                                      </p:to>
+                                    </p:set>
+                                  </p:childTnLst>
+                                </p:cTn>
+                              </p:par>
+                              <p:par>
+                                <p:cTn id="7" presetID="1" presetClass="entr" presetSubtype="0" fill="hold" nodeType="withEffect">
+                                  <p:stCondLst>
+                                    <p:cond delay="0"/>
+                                  </p:stCondLst>
+                                  <p:childTnLst>
+                                    <p:set>
+                                      <p:cBhvr>
+                                        <p:cTn id="8" dur="1" fill="hold">
+                                          <p:stCondLst>
+                                            <p:cond delay="0"/>
+                                          </p:stCondLst>
+                                        </p:cTn>
+                                        <p:tgtEl>
+                                          <p:spTgt spid="4">
+                                            <p:txEl>
+                                              <p:pRg st="5" end="5"/>
+                                            </p:txEl>
+                                          </p:spTgt>
+                                        </p:tgtEl>
+                                        <p:attrNameLst>
+                                          <p:attrName>style.visibility</p:attrName>
+                                        </p:attrNameLst>
+                                      </p:cBhvr>
+                                      <p:to>
+                                        <p:strVal val="visible"/>
+                                      </p:to>
+                                    </p:set>
+                                  </p:childTnLst>
+                                </p:cTn>
+                              </p:par>
+                              <p:par>
+                                <p:cTn id="9" presetID="1" presetClass="entr" presetSubtype="0" fill="hold" nodeType="withEffect">
+                                  <p:stCondLst>
+                                    <p:cond delay="0"/>
+                                  </p:stCondLst>
+                                  <p:childTnLst>
+                                    <p:set>
+                                      <p:cBhvr>
+                                        <p:cTn id="10" dur="1" fill="hold">
+                                          <p:stCondLst>
+                                            <p:cond delay="0"/>
+                                          </p:stCondLst>
+                                        </p:cTn>
+                                        <p:tgtEl>
+                                          <p:spTgt spid="4">
+                                            <p:txEl>
+                                              <p:pRg st="6" end="6"/>
+                                            </p:txEl>
+                                          </p:spTgt>
+                                        </p:tgtEl>
+                                        <p:attrNameLst>
+                                          <p:attrName>style.visibility</p:attrName>
+                                        </p:attrNameLst>
+                                      </p:cBhvr>
+                                      <p:to>
+                                        <p:strVal val="visible"/>
+                                      </p:to>
+                                    </p:set>
+                                  </p:childTnLst>
+                                </p:cTn>
+                              </p:par>
+                            </p:childTnLst>
+                          </p:cTn>
+                        </p:par>
+                      </p:childTnLst>
+                    </p:cTn>
+                  </p:par>
+                  <p:par>
+                    <p:cTn id="11" fill="hold">
+                      <p:stCondLst>
+                        <p:cond delay="indefinite"/>
+                      </p:stCondLst>
+                      <p:childTnLst>
+                        <p:par>
+                          <p:cTn id="12" fill="hold">
+                            <p:stCondLst>
+                              <p:cond delay="0"/>
+                            </p:stCondLst>
+                            <p:childTnLst>
+                              <p:par>
+                                <p:cTn id="13" presetID="1" presetClass="entr" presetSubtype="0" fill="hold" nodeType="clickEffect">
+                                  <p:stCondLst>
+                                    <p:cond delay="0"/>
+                                  </p:stCondLst>
+                                  <p:childTnLst>
+                                    <p:set>
+                                      <p:cBhvr>
+                                        <p:cTn id="14" dur="1" fill="hold">
+                                          <p:stCondLst>
+                                            <p:cond delay="0"/>
+                                          </p:stCondLst>
+                                        </p:cTn>
+                                        <p:tgtEl>
+                                          <p:spTgt spid="4">
+                                            <p:txEl>
+                                              <p:pRg st="8" end="8"/>
+                                            </p:txEl>
+                                          </p:spTgt>
+                                        </p:tgtEl>
+                                        <p:attrNameLst>
+                                          <p:attrName>style.visibility</p:attrName>
+                                        </p:attrNameLst>
+                                      </p:cBhvr>
+                                      <p:to>
+                                        <p:strVal val="visible"/>
+                                      </p:to>
+                                    </p:set>
+                                  </p:childTnLst>
+                                </p:cTn>
+                              </p:par>
+                            </p:childTnLst>
+                          </p:cTn>
+                        </p:par>
+                      </p:childTnLst>
+                    </p:cTn>
+                  </p:par>
+                  <p:par>
+                    <p:cTn id="15" fill="hold">
+                      <p:stCondLst>
+                        <p:cond delay="indefinite"/>
+                      </p:stCondLst>
+                      <p:childTnLst>
+                        <p:par>
+                          <p:cTn id="16" fill="hold">
+                            <p:stCondLst>
+                              <p:cond delay="0"/>
+                            </p:stCondLst>
+                            <p:childTnLst>
+                              <p:par>
+                                <p:cTn id="17" presetID="1" presetClass="entr" presetSubtype="0" fill="hold" nodeType="clickEffect">
+                                  <p:stCondLst>
+                                    <p:cond delay="0"/>
+                                  </p:stCondLst>
+                                  <p:childTnLst>
+                                    <p:set>
+                                      <p:cBhvr>
+                                        <p:cTn id="18" dur="1" fill="hold">
+                                          <p:stCondLst>
+                                            <p:cond delay="0"/>
+                                          </p:stCondLst>
+                                        </p:cTn>
+                                        <p:tgtEl>
+                                          <p:spTgt spid="4">
+                                            <p:txEl>
+                                              <p:pRg st="9" end="9"/>
+                                            </p:txEl>
+                                          </p:spTgt>
+                                        </p:tgtEl>
+                                        <p:attrNameLst>
+                                          <p:attrName>style.visibility</p:attrName>
+                                        </p:attrNameLst>
+                                      </p:cBhvr>
+                                      <p:to>
+                                        <p:strVal val="visible"/>
+                                      </p:to>
+                                    </p:set>
+                                  </p:childTnLst>
+                                </p:cTn>
+                              </p:par>
+                            </p:childTnLst>
+                          </p:cTn>
+                        </p:par>
+                      </p:childTnLst>
+                    </p:cTn>
+                  </p:par>
+                </p:childTnLst>
+              </p:cTn>
+              <p:prevCondLst>
+                <p:cond evt="onPrev" delay="0">
+                  <p:tgtEl>
+                    <p:sldTgt/>
+                  </p:tgtEl>
+                </p:cond>
+              </p:prevCondLst>
+              <p:nextCondLst>
+                <p:cond evt="onNext" delay="0">
+                  <p:tgtEl>
+                    <p:sldTgt/>
+                  </p:tgtEl>
+                </p:cond>
+              </p:nextCondLst>
+            </p:seq>
+          </p:childTnLst>
+        </p:cTn>
+      </p:par>
+    </p:tnLst>
+  </p:timing>
 </p:sld>
 </file>
 
@@ -24523,6 +27094,13 @@
   <p:clrMapOvr>
     <a:masterClrMapping/>
   </p:clrMapOvr>
+  <p:timing>
+    <p:tnLst>
+      <p:par>
+        <p:cTn id="1" dur="indefinite" restart="never" nodeType="tmRoot"/>
+      </p:par>
+    </p:tnLst>
+  </p:timing>
 </p:sld>
 </file>
 
@@ -24829,6 +27407,209 @@
   <p:clrMapOvr>
     <a:masterClrMapping/>
   </p:clrMapOvr>
+  <p:timing>
+    <p:tnLst>
+      <p:par>
+        <p:cTn id="1" dur="indefinite" restart="never" nodeType="tmRoot">
+          <p:childTnLst>
+            <p:seq concurrent="1" nextAc="seek">
+              <p:cTn id="2" dur="indefinite" nodeType="mainSeq">
+                <p:childTnLst>
+                  <p:par>
+                    <p:cTn id="3" fill="hold">
+                      <p:stCondLst>
+                        <p:cond delay="indefinite"/>
+                      </p:stCondLst>
+                      <p:childTnLst>
+                        <p:par>
+                          <p:cTn id="4" fill="hold">
+                            <p:stCondLst>
+                              <p:cond delay="0"/>
+                            </p:stCondLst>
+                            <p:childTnLst>
+                              <p:par>
+                                <p:cTn id="5" presetID="1" presetClass="entr" presetSubtype="0" fill="hold" nodeType="clickEffect">
+                                  <p:stCondLst>
+                                    <p:cond delay="0"/>
+                                  </p:stCondLst>
+                                  <p:childTnLst>
+                                    <p:set>
+                                      <p:cBhvr>
+                                        <p:cTn id="6" dur="1" fill="hold">
+                                          <p:stCondLst>
+                                            <p:cond delay="0"/>
+                                          </p:stCondLst>
+                                        </p:cTn>
+                                        <p:tgtEl>
+                                          <p:spTgt spid="3">
+                                            <p:txEl>
+                                              <p:pRg st="5" end="5"/>
+                                            </p:txEl>
+                                          </p:spTgt>
+                                        </p:tgtEl>
+                                        <p:attrNameLst>
+                                          <p:attrName>style.visibility</p:attrName>
+                                        </p:attrNameLst>
+                                      </p:cBhvr>
+                                      <p:to>
+                                        <p:strVal val="visible"/>
+                                      </p:to>
+                                    </p:set>
+                                  </p:childTnLst>
+                                </p:cTn>
+                              </p:par>
+                              <p:par>
+                                <p:cTn id="7" presetID="1" presetClass="entr" presetSubtype="0" fill="hold" nodeType="withEffect">
+                                  <p:stCondLst>
+                                    <p:cond delay="0"/>
+                                  </p:stCondLst>
+                                  <p:childTnLst>
+                                    <p:set>
+                                      <p:cBhvr>
+                                        <p:cTn id="8" dur="1" fill="hold">
+                                          <p:stCondLst>
+                                            <p:cond delay="0"/>
+                                          </p:stCondLst>
+                                        </p:cTn>
+                                        <p:tgtEl>
+                                          <p:spTgt spid="3">
+                                            <p:txEl>
+                                              <p:pRg st="6" end="6"/>
+                                            </p:txEl>
+                                          </p:spTgt>
+                                        </p:tgtEl>
+                                        <p:attrNameLst>
+                                          <p:attrName>style.visibility</p:attrName>
+                                        </p:attrNameLst>
+                                      </p:cBhvr>
+                                      <p:to>
+                                        <p:strVal val="visible"/>
+                                      </p:to>
+                                    </p:set>
+                                  </p:childTnLst>
+                                </p:cTn>
+                              </p:par>
+                              <p:par>
+                                <p:cTn id="9" presetID="1" presetClass="entr" presetSubtype="0" fill="hold" nodeType="withEffect">
+                                  <p:stCondLst>
+                                    <p:cond delay="0"/>
+                                  </p:stCondLst>
+                                  <p:childTnLst>
+                                    <p:set>
+                                      <p:cBhvr>
+                                        <p:cTn id="10" dur="1" fill="hold">
+                                          <p:stCondLst>
+                                            <p:cond delay="0"/>
+                                          </p:stCondLst>
+                                        </p:cTn>
+                                        <p:tgtEl>
+                                          <p:spTgt spid="3">
+                                            <p:txEl>
+                                              <p:pRg st="7" end="7"/>
+                                            </p:txEl>
+                                          </p:spTgt>
+                                        </p:tgtEl>
+                                        <p:attrNameLst>
+                                          <p:attrName>style.visibility</p:attrName>
+                                        </p:attrNameLst>
+                                      </p:cBhvr>
+                                      <p:to>
+                                        <p:strVal val="visible"/>
+                                      </p:to>
+                                    </p:set>
+                                  </p:childTnLst>
+                                </p:cTn>
+                              </p:par>
+                              <p:par>
+                                <p:cTn id="11" presetID="1" presetClass="entr" presetSubtype="0" fill="hold" nodeType="withEffect">
+                                  <p:stCondLst>
+                                    <p:cond delay="0"/>
+                                  </p:stCondLst>
+                                  <p:childTnLst>
+                                    <p:set>
+                                      <p:cBhvr>
+                                        <p:cTn id="12" dur="1" fill="hold">
+                                          <p:stCondLst>
+                                            <p:cond delay="0"/>
+                                          </p:stCondLst>
+                                        </p:cTn>
+                                        <p:tgtEl>
+                                          <p:spTgt spid="3">
+                                            <p:txEl>
+                                              <p:pRg st="8" end="8"/>
+                                            </p:txEl>
+                                          </p:spTgt>
+                                        </p:tgtEl>
+                                        <p:attrNameLst>
+                                          <p:attrName>style.visibility</p:attrName>
+                                        </p:attrNameLst>
+                                      </p:cBhvr>
+                                      <p:to>
+                                        <p:strVal val="visible"/>
+                                      </p:to>
+                                    </p:set>
+                                  </p:childTnLst>
+                                </p:cTn>
+                              </p:par>
+                              <p:par>
+                                <p:cTn id="13" presetID="1" presetClass="entr" presetSubtype="0" fill="hold" nodeType="withEffect">
+                                  <p:stCondLst>
+                                    <p:cond delay="0"/>
+                                  </p:stCondLst>
+                                  <p:childTnLst>
+                                    <p:set>
+                                      <p:cBhvr>
+                                        <p:cTn id="14" dur="1" fill="hold">
+                                          <p:stCondLst>
+                                            <p:cond delay="0"/>
+                                          </p:stCondLst>
+                                        </p:cTn>
+                                        <p:tgtEl>
+                                          <p:spTgt spid="3">
+                                            <p:txEl>
+                                              <p:pRg st="9" end="9"/>
+                                            </p:txEl>
+                                          </p:spTgt>
+                                        </p:tgtEl>
+                                        <p:attrNameLst>
+                                          <p:attrName>style.visibility</p:attrName>
+                                        </p:attrNameLst>
+                                      </p:cBhvr>
+                                      <p:to>
+                                        <p:strVal val="visible"/>
+                                      </p:to>
+                                    </p:set>
+                                  </p:childTnLst>
+                                </p:cTn>
+                              </p:par>
+                            </p:childTnLst>
+                          </p:cTn>
+                        </p:par>
+                      </p:childTnLst>
+                    </p:cTn>
+                  </p:par>
+                </p:childTnLst>
+              </p:cTn>
+              <p:prevCondLst>
+                <p:cond evt="onPrev" delay="0">
+                  <p:tgtEl>
+                    <p:sldTgt/>
+                  </p:tgtEl>
+                </p:cond>
+              </p:prevCondLst>
+              <p:nextCondLst>
+                <p:cond evt="onNext" delay="0">
+                  <p:tgtEl>
+                    <p:sldTgt/>
+                  </p:tgtEl>
+                </p:cond>
+              </p:nextCondLst>
+            </p:seq>
+          </p:childTnLst>
+        </p:cTn>
+      </p:par>
+    </p:tnLst>
+  </p:timing>
 </p:sld>
 </file>
 
@@ -25592,6 +28373,147 @@
   <p:clrMapOvr>
     <a:masterClrMapping/>
   </p:clrMapOvr>
+  <p:timing>
+    <p:tnLst>
+      <p:par>
+        <p:cTn id="1" dur="indefinite" restart="never" nodeType="tmRoot">
+          <p:childTnLst>
+            <p:seq concurrent="1" nextAc="seek">
+              <p:cTn id="2" dur="indefinite" nodeType="mainSeq">
+                <p:childTnLst>
+                  <p:par>
+                    <p:cTn id="3" fill="hold">
+                      <p:stCondLst>
+                        <p:cond delay="indefinite"/>
+                      </p:stCondLst>
+                      <p:childTnLst>
+                        <p:par>
+                          <p:cTn id="4" fill="hold">
+                            <p:stCondLst>
+                              <p:cond delay="0"/>
+                            </p:stCondLst>
+                            <p:childTnLst>
+                              <p:par>
+                                <p:cTn id="5" presetID="1" presetClass="entr" presetSubtype="0" fill="hold" nodeType="clickEffect">
+                                  <p:stCondLst>
+                                    <p:cond delay="0"/>
+                                  </p:stCondLst>
+                                  <p:childTnLst>
+                                    <p:set>
+                                      <p:cBhvr>
+                                        <p:cTn id="6" dur="1" fill="hold">
+                                          <p:stCondLst>
+                                            <p:cond delay="0"/>
+                                          </p:stCondLst>
+                                        </p:cTn>
+                                        <p:tgtEl>
+                                          <p:spTgt spid="3">
+                                            <p:txEl>
+                                              <p:pRg st="7" end="7"/>
+                                            </p:txEl>
+                                          </p:spTgt>
+                                        </p:tgtEl>
+                                        <p:attrNameLst>
+                                          <p:attrName>style.visibility</p:attrName>
+                                        </p:attrNameLst>
+                                      </p:cBhvr>
+                                      <p:to>
+                                        <p:strVal val="visible"/>
+                                      </p:to>
+                                    </p:set>
+                                  </p:childTnLst>
+                                </p:cTn>
+                              </p:par>
+                              <p:par>
+                                <p:cTn id="7" presetID="1" presetClass="entr" presetSubtype="0" fill="hold" nodeType="withEffect">
+                                  <p:stCondLst>
+                                    <p:cond delay="0"/>
+                                  </p:stCondLst>
+                                  <p:childTnLst>
+                                    <p:set>
+                                      <p:cBhvr>
+                                        <p:cTn id="8" dur="1" fill="hold">
+                                          <p:stCondLst>
+                                            <p:cond delay="0"/>
+                                          </p:stCondLst>
+                                        </p:cTn>
+                                        <p:tgtEl>
+                                          <p:spTgt spid="3">
+                                            <p:txEl>
+                                              <p:pRg st="8" end="8"/>
+                                            </p:txEl>
+                                          </p:spTgt>
+                                        </p:tgtEl>
+                                        <p:attrNameLst>
+                                          <p:attrName>style.visibility</p:attrName>
+                                        </p:attrNameLst>
+                                      </p:cBhvr>
+                                      <p:to>
+                                        <p:strVal val="visible"/>
+                                      </p:to>
+                                    </p:set>
+                                  </p:childTnLst>
+                                </p:cTn>
+                              </p:par>
+                              <p:par>
+                                <p:cTn id="9" presetID="1" presetClass="entr" presetSubtype="0" fill="hold" nodeType="withEffect">
+                                  <p:stCondLst>
+                                    <p:cond delay="0"/>
+                                  </p:stCondLst>
+                                  <p:childTnLst>
+                                    <p:set>
+                                      <p:cBhvr>
+                                        <p:cTn id="10" dur="1" fill="hold">
+                                          <p:stCondLst>
+                                            <p:cond delay="0"/>
+                                          </p:stCondLst>
+                                        </p:cTn>
+                                        <p:tgtEl>
+                                          <p:spTgt spid="3">
+                                            <p:txEl>
+                                              <p:pRg st="9" end="9"/>
+                                            </p:txEl>
+                                          </p:spTgt>
+                                        </p:tgtEl>
+                                        <p:attrNameLst>
+                                          <p:attrName>style.visibility</p:attrName>
+                                        </p:attrNameLst>
+                                      </p:cBhvr>
+                                      <p:to>
+                                        <p:strVal val="visible"/>
+                                      </p:to>
+                                    </p:set>
+                                  </p:childTnLst>
+                                </p:cTn>
+                              </p:par>
+                            </p:childTnLst>
+                          </p:cTn>
+                        </p:par>
+                      </p:childTnLst>
+                    </p:cTn>
+                  </p:par>
+                </p:childTnLst>
+              </p:cTn>
+              <p:prevCondLst>
+                <p:cond evt="onPrev" delay="0">
+                  <p:tgtEl>
+                    <p:sldTgt/>
+                  </p:tgtEl>
+                </p:cond>
+              </p:prevCondLst>
+              <p:nextCondLst>
+                <p:cond evt="onNext" delay="0">
+                  <p:tgtEl>
+                    <p:sldTgt/>
+                  </p:tgtEl>
+                </p:cond>
+              </p:nextCondLst>
+            </p:seq>
+          </p:childTnLst>
+        </p:cTn>
+      </p:par>
+    </p:tnLst>
+  </p:timing>
 </p:sld>
 </file>
 
@@ -25955,6 +28877,13 @@
   <p:clrMapOvr>
     <a:masterClrMapping/>
   </p:clrMapOvr>
+  <p:timing>
+    <p:tnLst>
+      <p:par>
+        <p:cTn id="1" dur="indefinite" restart="never" nodeType="tmRoot"/>
+      </p:par>
+    </p:tnLst>
+  </p:timing>
 </p:sld>
 </file>
 
@@ -27256,6 +30185,13 @@
   <p:clrMapOvr>
     <a:masterClrMapping/>
   </p:clrMapOvr>
+  <p:timing>
+    <p:tnLst>
+      <p:par>
+        <p:cTn id="1" dur="indefinite" restart="never" nodeType="tmRoot"/>
+      </p:par>
+    </p:tnLst>
+  </p:timing>
 </p:sld>
 </file>
 
@@ -28771,6 +31707,13 @@
   <p:clrMapOvr>
     <a:masterClrMapping/>
   </p:clrMapOvr>
+  <p:timing>
+    <p:tnLst>
+      <p:par>
+        <p:cTn id="1" dur="indefinite" restart="never" nodeType="tmRoot"/>
+      </p:par>
+    </p:tnLst>
+  </p:timing>
 </p:sld>
 </file>
 
@@ -28988,6 +31931,147 @@
   <p:clrMapOvr>
     <a:masterClrMapping/>
   </p:clrMapOvr>
+  <p:timing>
+    <p:tnLst>
+      <p:par>
+        <p:cTn id="1" dur="indefinite" restart="never" nodeType="tmRoot">
+          <p:childTnLst>
+            <p:seq concurrent="1" nextAc="seek">
+              <p:cTn id="2" dur="indefinite" nodeType="mainSeq">
+                <p:childTnLst>
+                  <p:par>
+                    <p:cTn id="3" fill="hold">
+                      <p:stCondLst>
+                        <p:cond delay="indefinite"/>
+                      </p:stCondLst>
+                      <p:childTnLst>
+                        <p:par>
+                          <p:cTn id="4" fill="hold">
+                            <p:stCondLst>
+                              <p:cond delay="0"/>
+                            </p:stCondLst>
+                            <p:childTnLst>
+                              <p:par>
+                                <p:cTn id="5" presetID="1" presetClass="entr" presetSubtype="0" fill="hold" nodeType="clickEffect">
+                                  <p:stCondLst>
+                                    <p:cond delay="0"/>
+                                  </p:stCondLst>
+                                  <p:childTnLst>
+                                    <p:set>
+                                      <p:cBhvr>
+                                        <p:cTn id="6" dur="1" fill="hold">
+                                          <p:stCondLst>
+                                            <p:cond delay="0"/>
+                                          </p:stCondLst>
+                                        </p:cTn>
+                                        <p:tgtEl>
+                                          <p:spTgt spid="3">
+                                            <p:txEl>
+                                              <p:pRg st="4" end="4"/>
+                                            </p:txEl>
+                                          </p:spTgt>
+                                        </p:tgtEl>
+                                        <p:attrNameLst>
+                                          <p:attrName>style.visibility</p:attrName>
+                                        </p:attrNameLst>
+                                      </p:cBhvr>
+                                      <p:to>
+                                        <p:strVal val="visible"/>
+                                      </p:to>
+                                    </p:set>
+                                  </p:childTnLst>
+                                </p:cTn>
+                              </p:par>
+                              <p:par>
+                                <p:cTn id="7" presetID="1" presetClass="entr" presetSubtype="0" fill="hold" nodeType="withEffect">
+                                  <p:stCondLst>
+                                    <p:cond delay="0"/>
+                                  </p:stCondLst>
+                                  <p:childTnLst>
+                                    <p:set>
+                                      <p:cBhvr>
+                                        <p:cTn id="8" dur="1" fill="hold">
+                                          <p:stCondLst>
+                                            <p:cond delay="0"/>
+                                          </p:stCondLst>
+                                        </p:cTn>
+                                        <p:tgtEl>
+                                          <p:spTgt spid="3">
+                                            <p:txEl>
+                                              <p:pRg st="5" end="5"/>
+                                            </p:txEl>
+                                          </p:spTgt>
+                                        </p:tgtEl>
+                                        <p:attrNameLst>
+                                          <p:attrName>style.visibility</p:attrName>
+                                        </p:attrNameLst>
+                                      </p:cBhvr>
+                                      <p:to>
+                                        <p:strVal val="visible"/>
+                                      </p:to>
+                                    </p:set>
+                                  </p:childTnLst>
+                                </p:cTn>
+                              </p:par>
+                              <p:par>
+                                <p:cTn id="9" presetID="1" presetClass="entr" presetSubtype="0" fill="hold" nodeType="withEffect">
+                                  <p:stCondLst>
+                                    <p:cond delay="0"/>
+                                  </p:stCondLst>
+                                  <p:childTnLst>
+                                    <p:set>
+                                      <p:cBhvr>
+                                        <p:cTn id="10" dur="1" fill="hold">
+                                          <p:stCondLst>
+                                            <p:cond delay="0"/>
+                                          </p:stCondLst>
+                                        </p:cTn>
+                                        <p:tgtEl>
+                                          <p:spTgt spid="3">
+                                            <p:txEl>
+                                              <p:pRg st="6" end="6"/>
+                                            </p:txEl>
+                                          </p:spTgt>
+                                        </p:tgtEl>
+                                        <p:attrNameLst>
+                                          <p:attrName>style.visibility</p:attrName>
+                                        </p:attrNameLst>
+                                      </p:cBhvr>
+                                      <p:to>
+                                        <p:strVal val="visible"/>
+                                      </p:to>
+                                    </p:set>
+                                  </p:childTnLst>
+                                </p:cTn>
+                              </p:par>
+                            </p:childTnLst>
+                          </p:cTn>
+                        </p:par>
+                      </p:childTnLst>
+                    </p:cTn>
+                  </p:par>
+                </p:childTnLst>
+              </p:cTn>
+              <p:prevCondLst>
+                <p:cond evt="onPrev" delay="0">
+                  <p:tgtEl>
+                    <p:sldTgt/>
+                  </p:tgtEl>
+                </p:cond>
+              </p:prevCondLst>
+              <p:nextCondLst>
+                <p:cond evt="onNext" delay="0">
+                  <p:tgtEl>
+                    <p:sldTgt/>
+                  </p:tgtEl>
+                </p:cond>
+              </p:nextCondLst>
+            </p:seq>
+          </p:childTnLst>
+        </p:cTn>
+      </p:par>
+    </p:tnLst>
+  </p:timing>
 </p:sld>
 </file>
 
@@ -29365,6 +32449,13 @@
   <p:clrMapOvr>
     <a:masterClrMapping/>
   </p:clrMapOvr>
+  <p:timing>
+    <p:tnLst>
+      <p:par>
+        <p:cTn id="1" dur="indefinite" restart="never" nodeType="tmRoot"/>
+      </p:par>
+    </p:tnLst>
+  </p:timing>
 </p:sld>
 </file>
 
@@ -30593,6 +33684,13 @@
   <p:clrMapOvr>
     <a:masterClrMapping/>
   </p:clrMapOvr>
+  <p:timing>
+    <p:tnLst>
+      <p:par>
+        <p:cTn id="1" dur="indefinite" restart="never" nodeType="tmRoot"/>
+      </p:par>
+    </p:tnLst>
+  </p:timing>
 </p:sld>
 </file>
 
@@ -32128,6 +35226,13 @@
   <p:clrMapOvr>
     <a:masterClrMapping/>
   </p:clrMapOvr>
+  <p:timing>
+    <p:tnLst>
+      <p:par>
+        <p:cTn id="1" dur="indefinite" restart="never" nodeType="tmRoot"/>
+      </p:par>
+    </p:tnLst>
+  </p:timing>
 </p:sld>
 </file>
 
@@ -32392,6 +35497,84 @@
   <p:clrMapOvr>
     <a:masterClrMapping/>
   </p:clrMapOvr>
+  <p:timing>
+    <p:tnLst>
+      <p:par>
+        <p:cTn id="1" dur="indefinite" restart="never" nodeType="tmRoot">
+          <p:childTnLst>
+            <p:seq concurrent="1" nextAc="seek">
+              <p:cTn id="2" dur="indefinite" nodeType="mainSeq">
+                <p:childTnLst>
+                  <p:par>
+                    <p:cTn id="3" fill="hold">
+                      <p:stCondLst>
+                        <p:cond delay="indefinite"/>
+                      </p:stCondLst>
+                      <p:childTnLst>
+                        <p:par>
+                          <p:cTn id="4" fill="hold">
+                            <p:stCondLst>
+                              <p:cond delay="0"/>
+                            </p:stCondLst>
+                            <p:childTnLst>
+                              <p:par>
+                                <p:cTn id="5" presetID="1" presetClass="entr" presetSubtype="0" fill="hold" grpId="0" nodeType="clickEffect">
+                                  <p:stCondLst>
+                                    <p:cond delay="0"/>
+                                  </p:stCondLst>
+                                  <p:childTnLst>
+                                    <p:set>
+                                      <p:cBhvr>
+                                        <p:cTn id="6" dur="1" fill="hold">
+                                          <p:stCondLst>
+                                            <p:cond delay="0"/>
+                                          </p:stCondLst>
+                                        </p:cTn>
+                                        <p:tgtEl>
+                                          <p:spTgt spid="4"/>
+                                        </p:tgtEl>
+                                        <p:attrNameLst>
+                                          <p:attrName>style.visibility</p:attrName>
+                                        </p:attrNameLst>
+                                      </p:cBhvr>
+                                      <p:to>
+                                        <p:strVal val="visible"/>
+                                      </p:to>
+                                    </p:set>
+                                  </p:childTnLst>
+                                </p:cTn>
+                              </p:par>
+                            </p:childTnLst>
+                          </p:cTn>
+                        </p:par>
+                      </p:childTnLst>
+                    </p:cTn>
+                  </p:par>
+                </p:childTnLst>
+              </p:cTn>
+              <p:prevCondLst>
+                <p:cond evt="onPrev" delay="0">
+                  <p:tgtEl>
+                    <p:sldTgt/>
+                  </p:tgtEl>
+                </p:cond>
+              </p:prevCondLst>
+              <p:nextCondLst>
+                <p:cond evt="onNext" delay="0">
+                  <p:tgtEl>
+                    <p:sldTgt/>
+                  </p:tgtEl>
+                </p:cond>
+              </p:nextCondLst>
+            </p:seq>
+          </p:childTnLst>
+        </p:cTn>
+      </p:par>
+    </p:tnLst>
+    <p:bldLst>
+      <p:bldP spid="4" grpId="0"/>
+    </p:bldLst>
+  </p:timing>
 </p:sld>
 </file>
 
@@ -32861,6 +36044,13 @@
   <p:clrMapOvr>
     <a:masterClrMapping/>
   </p:clrMapOvr>
+  <p:timing>
+    <p:tnLst>
+      <p:par>
+        <p:cTn id="1" dur="indefinite" restart="never" nodeType="tmRoot"/>
+      </p:par>
+    </p:tnLst>
+  </p:timing>
 </p:sld>
 </file>
 
@@ -33262,6 +36452,13 @@
   <p:clrMapOvr>
     <a:masterClrMapping/>
   </p:clrMapOvr>
+  <p:timing>
+    <p:tnLst>
+      <p:par>
+        <p:cTn id="1" dur="indefinite" restart="never" nodeType="tmRoot"/>
+      </p:par>
+    </p:tnLst>
+  </p:timing>
 </p:sld>
 </file>
 
@@ -33609,6 +36806,13 @@
   <p:clrMapOvr>
     <a:masterClrMapping/>
   </p:clrMapOvr>
+  <p:timing>
+    <p:tnLst>
+      <p:par>
+        <p:cTn id="1" dur="indefinite" restart="never" nodeType="tmRoot"/>
+      </p:par>
+    </p:tnLst>
+  </p:timing>
 </p:sld>
 </file>
 
@@ -34005,6 +37209,13 @@
   <p:clrMapOvr>
     <a:masterClrMapping/>
   </p:clrMapOvr>
+  <p:timing>
+    <p:tnLst>
+      <p:par>
+        <p:cTn id="1" dur="indefinite" restart="never" nodeType="tmRoot"/>
+      </p:par>
+    </p:tnLst>
+  </p:timing>
 </p:sld>
 </file>
 
@@ -34493,6 +37704,302 @@
   <p:clrMapOvr>
     <a:masterClrMapping/>
   </p:clrMapOvr>
+  <p:timing>
+    <p:tnLst>
+      <p:par>
+        <p:cTn id="1" dur="indefinite" restart="never" nodeType="tmRoot">
+          <p:childTnLst>
+            <p:seq concurrent="1" nextAc="seek">
+              <p:cTn id="2" dur="indefinite" nodeType="mainSeq">
+                <p:childTnLst>
+                  <p:par>
+                    <p:cTn id="3" fill="hold">
+                      <p:stCondLst>
+                        <p:cond delay="indefinite"/>
+                      </p:stCondLst>
+                      <p:childTnLst>
+                        <p:par>
+                          <p:cTn id="4" fill="hold">
+                            <p:stCondLst>
+                              <p:cond delay="0"/>
+                            </p:stCondLst>
+                            <p:childTnLst>
+                              <p:par>
+                                <p:cTn id="5" presetID="1" presetClass="entr" presetSubtype="0" fill="hold" nodeType="clickEffect">
+                                  <p:stCondLst>
+                                    <p:cond delay="0"/>
+                                  </p:stCondLst>
+                                  <p:childTnLst>
+                                    <p:set>
+                                      <p:cBhvr>
+                                        <p:cTn id="6" dur="1" fill="hold">
+                                          <p:stCondLst>
+                                            <p:cond delay="0"/>
+                                          </p:stCondLst>
+                                        </p:cTn>
+                                        <p:tgtEl>
+                                          <p:spTgt spid="4">
+                                            <p:txEl>
+                                              <p:pRg st="6" end="6"/>
+                                            </p:txEl>
+                                          </p:spTgt>
+                                        </p:tgtEl>
+                                        <p:attrNameLst>
+                                          <p:attrName>style.visibility</p:attrName>
+                                        </p:attrNameLst>
+                                      </p:cBhvr>
+                                      <p:to>
+                                        <p:strVal val="visible"/>
+                                      </p:to>
+                                    </p:set>
+                                  </p:childTnLst>
+                                </p:cTn>
+                              </p:par>
+                              <p:par>
+                                <p:cTn id="7" presetID="1" presetClass="entr" presetSubtype="0" fill="hold" nodeType="withEffect">
+                                  <p:stCondLst>
+                                    <p:cond delay="0"/>
+                                  </p:stCondLst>
+                                  <p:childTnLst>
+                                    <p:set>
+                                      <p:cBhvr>
+                                        <p:cTn id="8" dur="1" fill="hold">
+                                          <p:stCondLst>
+                                            <p:cond delay="0"/>
+                                          </p:stCondLst>
+                                        </p:cTn>
+                                        <p:tgtEl>
+                                          <p:spTgt spid="4">
+                                            <p:txEl>
+                                              <p:pRg st="7" end="7"/>
+                                            </p:txEl>
+                                          </p:spTgt>
+                                        </p:tgtEl>
+                                        <p:attrNameLst>
+                                          <p:attrName>style.visibility</p:attrName>
+                                        </p:attrNameLst>
+                                      </p:cBhvr>
+                                      <p:to>
+                                        <p:strVal val="visible"/>
+                                      </p:to>
+                                    </p:set>
+                                  </p:childTnLst>
+                                </p:cTn>
+                              </p:par>
+                              <p:par>
+                                <p:cTn id="9" presetID="1" presetClass="entr" presetSubtype="0" fill="hold" nodeType="withEffect">
+                                  <p:stCondLst>
+                                    <p:cond delay="0"/>
+                                  </p:stCondLst>
+                                  <p:childTnLst>
+                                    <p:set>
+                                      <p:cBhvr>
+                                        <p:cTn id="10" dur="1" fill="hold">
+                                          <p:stCondLst>
+                                            <p:cond delay="0"/>
+                                          </p:stCondLst>
+                                        </p:cTn>
+                                        <p:tgtEl>
+                                          <p:spTgt spid="4">
+                                            <p:txEl>
+                                              <p:pRg st="8" end="8"/>
+                                            </p:txEl>
+                                          </p:spTgt>
+                                        </p:tgtEl>
+                                        <p:attrNameLst>
+                                          <p:attrName>style.visibility</p:attrName>
+                                        </p:attrNameLst>
+                                      </p:cBhvr>
+                                      <p:to>
+                                        <p:strVal val="visible"/>
+                                      </p:to>
+                                    </p:set>
+                                  </p:childTnLst>
+                                </p:cTn>
+                              </p:par>
+                              <p:par>
+                                <p:cTn id="11" presetID="1" presetClass="entr" presetSubtype="0" fill="hold" nodeType="withEffect">
+                                  <p:stCondLst>
+                                    <p:cond delay="0"/>
+                                  </p:stCondLst>
+                                  <p:childTnLst>
+                                    <p:set>
+                                      <p:cBhvr>
+                                        <p:cTn id="12" dur="1" fill="hold">
+                                          <p:stCondLst>
+                                            <p:cond delay="0"/>
+                                          </p:stCondLst>
+                                        </p:cTn>
+                                        <p:tgtEl>
+                                          <p:spTgt spid="4">
+                                            <p:txEl>
+                                              <p:pRg st="9" end="9"/>
+                                            </p:txEl>
+                                          </p:spTgt>
+                                        </p:tgtEl>
+                                        <p:attrNameLst>
+                                          <p:attrName>style.visibility</p:attrName>
+                                        </p:attrNameLst>
+                                      </p:cBhvr>
+                                      <p:to>
+                                        <p:strVal val="visible"/>
+                                      </p:to>
+                                    </p:set>
+                                  </p:childTnLst>
+                                </p:cTn>
+                              </p:par>
+                              <p:par>
+                                <p:cTn id="13" presetID="1" presetClass="entr" presetSubtype="0" fill="hold" nodeType="withEffect">
+                                  <p:stCondLst>
+                                    <p:cond delay="0"/>
+                                  </p:stCondLst>
+                                  <p:childTnLst>
+                                    <p:set>
+                                      <p:cBhvr>
+                                        <p:cTn id="14" dur="1" fill="hold">
+                                          <p:stCondLst>
+                                            <p:cond delay="0"/>
+                                          </p:stCondLst>
+                                        </p:cTn>
+                                        <p:tgtEl>
+                                          <p:spTgt spid="4">
+                                            <p:txEl>
+                                              <p:pRg st="10" end="10"/>
+                                            </p:txEl>
+                                          </p:spTgt>
+                                        </p:tgtEl>
+                                        <p:attrNameLst>
+                                          <p:attrName>style.visibility</p:attrName>
+                                        </p:attrNameLst>
+                                      </p:cBhvr>
+                                      <p:to>
+                                        <p:strVal val="visible"/>
+                                      </p:to>
+                                    </p:set>
+                                  </p:childTnLst>
+                                </p:cTn>
+                              </p:par>
+                              <p:par>
+                                <p:cTn id="15" presetID="1" presetClass="entr" presetSubtype="0" fill="hold" nodeType="withEffect">
+                                  <p:stCondLst>
+                                    <p:cond delay="0"/>
+                                  </p:stCondLst>
+                                  <p:childTnLst>
+                                    <p:set>
+                                      <p:cBhvr>
+                                        <p:cTn id="16" dur="1" fill="hold">
+                                          <p:stCondLst>
+                                            <p:cond delay="0"/>
+                                          </p:stCondLst>
+                                        </p:cTn>
+                                        <p:tgtEl>
+                                          <p:spTgt spid="4">
+                                            <p:txEl>
+                                              <p:pRg st="11" end="11"/>
+                                            </p:txEl>
+                                          </p:spTgt>
+                                        </p:tgtEl>
+                                        <p:attrNameLst>
+                                          <p:attrName>style.visibility</p:attrName>
+                                        </p:attrNameLst>
+                                      </p:cBhvr>
+                                      <p:to>
+                                        <p:strVal val="visible"/>
+                                      </p:to>
+                                    </p:set>
+                                  </p:childTnLst>
+                                </p:cTn>
+                              </p:par>
+                              <p:par>
+                                <p:cTn id="17" presetID="1" presetClass="entr" presetSubtype="0" fill="hold" nodeType="withEffect">
+                                  <p:stCondLst>
+                                    <p:cond delay="0"/>
+                                  </p:stCondLst>
+                                  <p:childTnLst>
+                                    <p:set>
+                                      <p:cBhvr>
+                                        <p:cTn id="18" dur="1" fill="hold">
+                                          <p:stCondLst>
+                                            <p:cond delay="0"/>
+                                          </p:stCondLst>
+                                        </p:cTn>
+                                        <p:tgtEl>
+                                          <p:spTgt spid="4">
+                                            <p:txEl>
+                                              <p:pRg st="12" end="12"/>
+                                            </p:txEl>
+                                          </p:spTgt>
+                                        </p:tgtEl>
+                                        <p:attrNameLst>
+                                          <p:attrName>style.visibility</p:attrName>
+                                        </p:attrNameLst>
+                                      </p:cBhvr>
+                                      <p:to>
+                                        <p:strVal val="visible"/>
+                                      </p:to>
+                                    </p:set>
+                                  </p:childTnLst>
+                                </p:cTn>
+                              </p:par>
+                              <p:par>
+                                <p:cTn id="19" presetID="1" presetClass="entr" presetSubtype="0" fill="hold" nodeType="withEffect">
+                                  <p:stCondLst>
+                                    <p:cond delay="0"/>
+                                  </p:stCondLst>
+                                  <p:childTnLst>
+                                    <p:set>
+                                      <p:cBhvr>
+                                        <p:cTn id="20" dur="1" fill="hold">
+                                          <p:stCondLst>
+                                            <p:cond delay="0"/>
+                                          </p:stCondLst>
+                                        </p:cTn>
+                                        <p:tgtEl>
+                                          <p:spTgt spid="4">
+                                            <p:txEl>
+                                              <p:pRg st="13" end="13"/>
+                                            </p:txEl>
+                                          </p:spTgt>
+                                        </p:tgtEl>
+                                        <p:attrNameLst>
+                                          <p:attrName>style.visibility</p:attrName>
+                                        </p:attrNameLst>
+                                      </p:cBhvr>
+                                      <p:to>
+                                        <p:strVal val="visible"/>
+                                      </p:to>
+                                    </p:set>
+                                  </p:childTnLst>
+                                </p:cTn>
+                              </p:par>
+                            </p:childTnLst>
+                          </p:cTn>
+                        </p:par>
+                      </p:childTnLst>
+                    </p:cTn>
+                  </p:par>
+                </p:childTnLst>
+              </p:cTn>
+              <p:prevCondLst>
+                <p:cond evt="onPrev" delay="0">
+                  <p:tgtEl>
+                    <p:sldTgt/>
+                  </p:tgtEl>
+                </p:cond>
+              </p:prevCondLst>
+              <p:nextCondLst>
+                <p:cond evt="onNext" delay="0">
+                  <p:tgtEl>
+                    <p:sldTgt/>
+                  </p:tgtEl>
+                </p:cond>
+              </p:nextCondLst>
+            </p:seq>
+          </p:childTnLst>
+        </p:cTn>
+      </p:par>
+    </p:tnLst>
+  </p:timing>
 </p:sld>
 </file>
 
@@ -34594,6 +38101,13 @@
   <p:clrMapOvr>
     <a:masterClrMapping/>
   </p:clrMapOvr>
+  <p:timing>
+    <p:tnLst>
+      <p:par>
+        <p:cTn id="1" dur="indefinite" restart="never" nodeType="tmRoot"/>
+      </p:par>
+    </p:tnLst>
+  </p:timing>
 </p:sld>
 </file>
 
@@ -34741,11 +38255,7 @@
             </a:r>
             <a:r>
               <a:rPr lang="en-US" sz="1400" dirty="0"/>
-              <a:t>the red highlighted line indicates </a:t>
-            </a:r>
-            <a:r>
-              <a:rPr lang="en-US" sz="1400" dirty="0"/>
-              <a:t>significance </a:t>
+              <a:t>the red highlighted line indicates significance </a:t>
             </a:r>
             <a:r>
               <a:rPr lang="en-US" sz="1400" dirty="0" smtClean="0"/>
@@ -34779,7 +38289,6 @@
               <a:rPr lang="en-US" sz="1400" dirty="0"/>
               <a:t>= 2.3E-7). </a:t>
             </a:r>
-            <a:endParaRPr lang="en-US" sz="1400" dirty="0"/>
           </a:p>
         </p:txBody>
       </p:sp>
@@ -34793,6 +38302,13 @@
   <p:clrMapOvr>
     <a:masterClrMapping/>
   </p:clrMapOvr>
+  <p:timing>
+    <p:tnLst>
+      <p:par>
+        <p:cTn id="1" dur="indefinite" restart="never" nodeType="tmRoot"/>
+      </p:par>
+    </p:tnLst>
+  </p:timing>
 </p:sld>
 </file>
 
@@ -34865,6 +38381,13 @@
   <p:clrMapOvr>
     <a:masterClrMapping/>
   </p:clrMapOvr>
+  <p:timing>
+    <p:tnLst>
+      <p:par>
+        <p:cTn id="1" dur="indefinite" restart="never" nodeType="tmRoot"/>
+      </p:par>
+    </p:tnLst>
+  </p:timing>
 </p:sld>
 </file>
 
@@ -35828,7 +39351,7 @@
                             </p:stCondLst>
                             <p:childTnLst>
                               <p:par>
-                                <p:cTn id="5" presetID="1" presetClass="entr" presetSubtype="0" fill="hold" nodeType="clickEffect">
+                                <p:cTn id="5" presetID="1" presetClass="entr" presetSubtype="0" fill="hold" grpId="0" nodeType="clickEffect">
                                   <p:stCondLst>
                                     <p:cond delay="0"/>
                                   </p:stCondLst>
@@ -35841,7 +39364,97 @@
                                           </p:stCondLst>
                                         </p:cTn>
                                         <p:tgtEl>
+                                          <p:spTgt spid="7"/>
+                                        </p:tgtEl>
+                                        <p:attrNameLst>
+                                          <p:attrName>style.visibility</p:attrName>
+                                        </p:attrNameLst>
+                                      </p:cBhvr>
+                                      <p:to>
+                                        <p:strVal val="visible"/>
+                                      </p:to>
+                                    </p:set>
+                                  </p:childTnLst>
+                                </p:cTn>
+                              </p:par>
+                            </p:childTnLst>
+                          </p:cTn>
+                        </p:par>
+                      </p:childTnLst>
+                    </p:cTn>
+                  </p:par>
+                  <p:par>
+                    <p:cTn id="7" fill="hold">
+                      <p:stCondLst>
+                        <p:cond delay="indefinite"/>
+                      </p:stCondLst>
+                      <p:childTnLst>
+                        <p:par>
+                          <p:cTn id="8" fill="hold">
+                            <p:stCondLst>
+                              <p:cond delay="0"/>
+                            </p:stCondLst>
+                            <p:childTnLst>
+                              <p:par>
+                                <p:cTn id="9" presetID="1" presetClass="entr" presetSubtype="0" fill="hold" nodeType="clickEffect">
+                                  <p:stCondLst>
+                                    <p:cond delay="0"/>
+                                  </p:stCondLst>
+                                  <p:childTnLst>
+                                    <p:set>
+                                      <p:cBhvr>
+                                        <p:cTn id="10" dur="1" fill="hold">
+                                          <p:stCondLst>
+                                            <p:cond delay="0"/>
+                                          </p:stCondLst>
+                                        </p:cTn>
+                                        <p:tgtEl>
                                           <p:spTgt spid="4"/>
+                                        </p:tgtEl>
+                                        <p:attrNameLst>
+                                          <p:attrName>style.visibility</p:attrName>
+                                        </p:attrNameLst>
+                                      </p:cBhvr>
+                                      <p:to>
+                                        <p:strVal val="visible"/>
+                                      </p:to>
+                                    </p:set>
+                                  </p:childTnLst>
+                                </p:cTn>
+                              </p:par>
+                            </p:childTnLst>
+                          </p:cTn>
+                        </p:par>
+                      </p:childTnLst>
+                    </p:cTn>
+                  </p:par>
+                  <p:par>
+                    <p:cTn id="11" fill="hold">
+                      <p:stCondLst>
+                        <p:cond delay="indefinite"/>
+                      </p:stCondLst>
+                      <p:childTnLst>
+                        <p:par>
+                          <p:cTn id="12" fill="hold">
+                            <p:stCondLst>
+                              <p:cond delay="0"/>
+                            </p:stCondLst>
+                            <p:childTnLst>
+                              <p:par>
+                                <p:cTn id="13" presetID="1" presetClass="entr" presetSubtype="0" fill="hold" grpId="0" nodeType="clickEffect">
+                                  <p:stCondLst>
+                                    <p:cond delay="0"/>
+                                  </p:stCondLst>
+                                  <p:childTnLst>
+                                    <p:set>
+                                      <p:cBhvr>
+                                        <p:cTn id="14" dur="1" fill="hold">
+                                          <p:stCondLst>
+                                            <p:cond delay="0"/>
+                                          </p:stCondLst>
+                                        </p:cTn>
+                                        <p:tgtEl>
+                                          <p:spTgt spid="6"/>
                                         </p:tgtEl>
                                         <p:attrNameLst>
                                           <p:attrName>style.visibility</p:attrName>
@@ -35881,6 +39494,10 @@
         </p:cTn>
       </p:par>
     </p:tnLst>
+    <p:bldLst>
+      <p:bldP spid="6" grpId="0"/>
+      <p:bldP spid="7" grpId="0"/>
+    </p:bldLst>
   </p:timing>
 </p:sld>
 </file>
@@ -36064,6 +39681,13 @@
   <p:clrMapOvr>
     <a:masterClrMapping/>
   </p:clrMapOvr>
+  <p:timing>
+    <p:tnLst>
+      <p:par>
+        <p:cTn id="1" dur="indefinite" restart="never" nodeType="tmRoot"/>
+      </p:par>
+    </p:tnLst>
+  </p:timing>
 </p:sld>
 </file>
 
@@ -36467,6 +40091,84 @@
   <p:clrMapOvr>
     <a:masterClrMapping/>
   </p:clrMapOvr>
+  <p:timing>
+    <p:tnLst>
+      <p:par>
+        <p:cTn id="1" dur="indefinite" restart="never" nodeType="tmRoot">
+          <p:childTnLst>
+            <p:seq concurrent="1" nextAc="seek">
+              <p:cTn id="2" dur="indefinite" nodeType="mainSeq">
+                <p:childTnLst>
+                  <p:par>
+                    <p:cTn id="3" fill="hold">
+                      <p:stCondLst>
+                        <p:cond delay="indefinite"/>
+                      </p:stCondLst>
+                      <p:childTnLst>
+                        <p:par>
+                          <p:cTn id="4" fill="hold">
+                            <p:stCondLst>
+                              <p:cond delay="0"/>
+                            </p:stCondLst>
+                            <p:childTnLst>
+                              <p:par>
+                                <p:cTn id="5" presetID="1" presetClass="entr" presetSubtype="0" fill="hold" grpId="0" nodeType="clickEffect">
+                                  <p:stCondLst>
+                                    <p:cond delay="0"/>
+                                  </p:stCondLst>
+                                  <p:childTnLst>
+                                    <p:set>
+                                      <p:cBhvr>
+                                        <p:cTn id="6" dur="1" fill="hold">
+                                          <p:stCondLst>
+                                            <p:cond delay="0"/>
+                                          </p:stCondLst>
+                                        </p:cTn>
+                                        <p:tgtEl>
+                                          <p:spTgt spid="5"/>
+                                        </p:tgtEl>
+                                        <p:attrNameLst>
+                                          <p:attrName>style.visibility</p:attrName>
+                                        </p:attrNameLst>
+                                      </p:cBhvr>
+                                      <p:to>
+                                        <p:strVal val="visible"/>
+                                      </p:to>
+                                    </p:set>
+                                  </p:childTnLst>
+                                </p:cTn>
+                              </p:par>
+                            </p:childTnLst>
+                          </p:cTn>
+                        </p:par>
+                      </p:childTnLst>
+                    </p:cTn>
+                  </p:par>
+                </p:childTnLst>
+              </p:cTn>
+              <p:prevCondLst>
+                <p:cond evt="onPrev" delay="0">
+                  <p:tgtEl>
+                    <p:sldTgt/>
+                  </p:tgtEl>
+                </p:cond>
+              </p:prevCondLst>
+              <p:nextCondLst>
+                <p:cond evt="onNext" delay="0">
+                  <p:tgtEl>
+                    <p:sldTgt/>
+                  </p:tgtEl>
+                </p:cond>
+              </p:nextCondLst>
+            </p:seq>
+          </p:childTnLst>
+        </p:cTn>
+      </p:par>
+    </p:tnLst>
+    <p:bldLst>
+      <p:bldP spid="5" grpId="0"/>
+    </p:bldLst>
+  </p:timing>
 </p:sld>
 </file>
 

--- a/slides/day8_resampling_multtesting.pptx
+++ b/slides/day8_resampling_multtesting.pptx
@@ -263,7 +263,7 @@
           <a:p>
             <a:fld id="{CCC6CEAD-DD3D-334D-A963-BC72DE2105C5}" type="datetimeFigureOut">
               <a:rPr lang="en-US" smtClean="0"/>
-              <a:t>10/17/17</a:t>
+              <a:t>10/18/17</a:t>
             </a:fld>
             <a:endParaRPr lang="en-US"/>
           </a:p>
@@ -1765,7 +1765,7 @@
           <a:p>
             <a:fld id="{DBE10013-459B-E649-8F53-4AAACF4AFE97}" type="datetimeFigureOut">
               <a:rPr lang="en-US" smtClean="0"/>
-              <a:t>10/17/17</a:t>
+              <a:t>10/18/17</a:t>
             </a:fld>
             <a:endParaRPr lang="en-US"/>
           </a:p>
@@ -1968,7 +1968,7 @@
           <a:p>
             <a:fld id="{DBE10013-459B-E649-8F53-4AAACF4AFE97}" type="datetimeFigureOut">
               <a:rPr lang="en-US" smtClean="0"/>
-              <a:t>10/17/17</a:t>
+              <a:t>10/18/17</a:t>
             </a:fld>
             <a:endParaRPr lang="en-US"/>
           </a:p>
@@ -2219,7 +2219,7 @@
           <a:p>
             <a:fld id="{DBE10013-459B-E649-8F53-4AAACF4AFE97}" type="datetimeFigureOut">
               <a:rPr lang="en-US" smtClean="0"/>
-              <a:t>10/17/17</a:t>
+              <a:t>10/18/17</a:t>
             </a:fld>
             <a:endParaRPr lang="en-US"/>
           </a:p>
@@ -2394,7 +2394,7 @@
           <a:p>
             <a:fld id="{DBE10013-459B-E649-8F53-4AAACF4AFE97}" type="datetimeFigureOut">
               <a:rPr lang="en-US" smtClean="0"/>
-              <a:t>10/17/17</a:t>
+              <a:t>10/18/17</a:t>
             </a:fld>
             <a:endParaRPr lang="en-US"/>
           </a:p>
@@ -2732,7 +2732,7 @@
           <a:p>
             <a:fld id="{DBE10013-459B-E649-8F53-4AAACF4AFE97}" type="datetimeFigureOut">
               <a:rPr lang="en-US" smtClean="0"/>
-              <a:t>10/17/17</a:t>
+              <a:t>10/18/17</a:t>
             </a:fld>
             <a:endParaRPr lang="en-US"/>
           </a:p>
@@ -3002,7 +3002,7 @@
           <a:p>
             <a:fld id="{DBE10013-459B-E649-8F53-4AAACF4AFE97}" type="datetimeFigureOut">
               <a:rPr lang="en-US" smtClean="0"/>
-              <a:t>10/17/17</a:t>
+              <a:t>10/18/17</a:t>
             </a:fld>
             <a:endParaRPr lang="en-US"/>
           </a:p>
@@ -3376,7 +3376,7 @@
           <a:p>
             <a:fld id="{DBE10013-459B-E649-8F53-4AAACF4AFE97}" type="datetimeFigureOut">
               <a:rPr lang="en-US" smtClean="0"/>
-              <a:t>10/17/17</a:t>
+              <a:t>10/18/17</a:t>
             </a:fld>
             <a:endParaRPr lang="en-US"/>
           </a:p>
@@ -3489,7 +3489,7 @@
           <a:p>
             <a:fld id="{DBE10013-459B-E649-8F53-4AAACF4AFE97}" type="datetimeFigureOut">
               <a:rPr lang="en-US" smtClean="0"/>
-              <a:t>10/17/17</a:t>
+              <a:t>10/18/17</a:t>
             </a:fld>
             <a:endParaRPr lang="en-US"/>
           </a:p>
@@ -3655,7 +3655,7 @@
           <a:p>
             <a:fld id="{DBE10013-459B-E649-8F53-4AAACF4AFE97}" type="datetimeFigureOut">
               <a:rPr lang="en-US" smtClean="0"/>
-              <a:t>10/17/17</a:t>
+              <a:t>10/18/17</a:t>
             </a:fld>
             <a:endParaRPr lang="en-US"/>
           </a:p>
@@ -4004,7 +4004,7 @@
           <a:p>
             <a:fld id="{DBE10013-459B-E649-8F53-4AAACF4AFE97}" type="datetimeFigureOut">
               <a:rPr lang="en-US" smtClean="0"/>
-              <a:t>10/17/17</a:t>
+              <a:t>10/18/17</a:t>
             </a:fld>
             <a:endParaRPr lang="en-US"/>
           </a:p>
@@ -4376,7 +4376,7 @@
           <a:p>
             <a:fld id="{DBE10013-459B-E649-8F53-4AAACF4AFE97}" type="datetimeFigureOut">
               <a:rPr lang="en-US" smtClean="0"/>
-              <a:t>10/17/17</a:t>
+              <a:t>10/18/17</a:t>
             </a:fld>
             <a:endParaRPr lang="en-US"/>
           </a:p>
@@ -4658,7 +4658,7 @@
           <a:p>
             <a:fld id="{DBE10013-459B-E649-8F53-4AAACF4AFE97}" type="datetimeFigureOut">
               <a:rPr lang="en-US" smtClean="0"/>
-              <a:t>10/17/17</a:t>
+              <a:t>10/18/17</a:t>
             </a:fld>
             <a:endParaRPr lang="en-US"/>
           </a:p>
@@ -5257,6 +5257,13 @@
   <p:clrMapOvr>
     <a:masterClrMapping/>
   </p:clrMapOvr>
+  <p:timing>
+    <p:tnLst>
+      <p:par>
+        <p:cTn id="1" dur="indefinite" restart="never" nodeType="tmRoot"/>
+      </p:par>
+    </p:tnLst>
+  </p:timing>
 </p:sld>
 </file>
 
@@ -6148,8 +6155,21 @@
                 <a:ea typeface="Monaco" charset="0"/>
                 <a:cs typeface="Monaco" charset="0"/>
               </a:rPr>
-              <a:t>] 100000</a:t>
-            </a:r>
+              <a:t>] </a:t>
+            </a:r>
+            <a:r>
+              <a:rPr lang="pt-BR" dirty="0" smtClean="0">
+                <a:latin typeface="Monaco" charset="0"/>
+                <a:ea typeface="Monaco" charset="0"/>
+                <a:cs typeface="Monaco" charset="0"/>
+              </a:rPr>
+              <a:t>100000</a:t>
+            </a:r>
+            <a:endParaRPr lang="pt-BR" dirty="0">
+              <a:latin typeface="Monaco" charset="0"/>
+              <a:ea typeface="Monaco" charset="0"/>
+              <a:cs typeface="Monaco" charset="0"/>
+            </a:endParaRPr>
           </a:p>
           <a:p>
             <a:endParaRPr lang="en-US" dirty="0">
@@ -11454,6 +11474,13 @@
   <p:clrMapOvr>
     <a:masterClrMapping/>
   </p:clrMapOvr>
+  <p:timing>
+    <p:tnLst>
+      <p:par>
+        <p:cTn id="1" dur="indefinite" restart="never" nodeType="tmRoot"/>
+      </p:par>
+    </p:tnLst>
+  </p:timing>
 </p:sld>
 </file>
 
@@ -15133,6 +15160,13 @@
   <p:clrMapOvr>
     <a:masterClrMapping/>
   </p:clrMapOvr>
+  <p:timing>
+    <p:tnLst>
+      <p:par>
+        <p:cTn id="1" dur="indefinite" restart="never" nodeType="tmRoot"/>
+      </p:par>
+    </p:tnLst>
+  </p:timing>
 </p:sld>
 </file>
 
@@ -21615,6 +21649,13 @@
   <p:clrMapOvr>
     <a:masterClrMapping/>
   </p:clrMapOvr>
+  <p:timing>
+    <p:tnLst>
+      <p:par>
+        <p:cTn id="1" dur="indefinite" restart="never" nodeType="tmRoot"/>
+      </p:par>
+    </p:tnLst>
+  </p:timing>
 </p:sld>
 </file>
 
@@ -25833,6 +25874,13 @@
   <p:clrMapOvr>
     <a:masterClrMapping/>
   </p:clrMapOvr>
+  <p:timing>
+    <p:tnLst>
+      <p:par>
+        <p:cTn id="1" dur="indefinite" restart="never" nodeType="tmRoot"/>
+      </p:par>
+    </p:tnLst>
+  </p:timing>
 </p:sld>
 </file>
 
@@ -35982,15 +36030,7 @@
                 <a:ea typeface="Monaco" charset="0"/>
                 <a:cs typeface="Monaco" charset="0"/>
               </a:rPr>
-              <a:t>, method = "</a:t>
-            </a:r>
-            <a:r>
-              <a:rPr lang="en-US" sz="1600" dirty="0" err="1">
-                <a:latin typeface="Monaco" charset="0"/>
-                <a:ea typeface="Monaco" charset="0"/>
-                <a:cs typeface="Monaco" charset="0"/>
-              </a:rPr>
-              <a:t>bonf</a:t>
+              <a:t>, method = </a:t>
             </a:r>
             <a:r>
               <a:rPr lang="en-US" sz="1600" dirty="0" smtClean="0">
@@ -35998,8 +36038,29 @@
                 <a:ea typeface="Monaco" charset="0"/>
                 <a:cs typeface="Monaco" charset="0"/>
               </a:rPr>
+              <a:t>"</a:t>
+            </a:r>
+            <a:r>
+              <a:rPr lang="en-US" sz="1600" dirty="0" err="1" smtClean="0">
+                <a:latin typeface="Monaco" charset="0"/>
+                <a:ea typeface="Monaco" charset="0"/>
+                <a:cs typeface="Monaco" charset="0"/>
+              </a:rPr>
+              <a:t>fdr</a:t>
+            </a:r>
+            <a:r>
+              <a:rPr lang="en-US" sz="1600" dirty="0" smtClean="0">
+                <a:latin typeface="Monaco" charset="0"/>
+                <a:ea typeface="Monaco" charset="0"/>
+                <a:cs typeface="Monaco" charset="0"/>
+              </a:rPr>
               <a:t>")</a:t>
             </a:r>
+            <a:endParaRPr lang="en-US" sz="1600" dirty="0" smtClean="0">
+              <a:latin typeface="Monaco" charset="0"/>
+              <a:ea typeface="Monaco" charset="0"/>
+              <a:cs typeface="Monaco" charset="0"/>
+            </a:endParaRPr>
           </a:p>
           <a:p>
             <a:r>
@@ -38059,8 +38120,8 @@
         </p:blipFill>
         <p:spPr>
           <a:xfrm>
-            <a:off x="7637616" y="3592256"/>
-            <a:ext cx="3937000" cy="1841500"/>
+            <a:off x="1618391" y="1866681"/>
+            <a:ext cx="9537289" cy="4460990"/>
           </a:xfrm>
           <a:prstGeom prst="rect">
             <a:avLst/>
@@ -38083,7 +38144,7 @@
         </p:blipFill>
         <p:spPr>
           <a:xfrm>
-            <a:off x="738811" y="2508250"/>
+            <a:off x="-1148355" y="-138075"/>
             <a:ext cx="5700007" cy="2004756"/>
           </a:xfrm>
           <a:prstGeom prst="rect">
